--- a/Docs/Presentation/Presentation.pptx
+++ b/Docs/Presentation/Presentation.pptx
@@ -4,6 +4,9 @@
   <p:sldMasterIdLst>
     <p:sldMasterId id="2147483648" r:id="rId1"/>
   </p:sldMasterIdLst>
+  <p:notesMasterIdLst>
+    <p:notesMasterId r:id="rId22"/>
+  </p:notesMasterIdLst>
   <p:sldIdLst>
     <p:sldId id="256" r:id="rId2"/>
     <p:sldId id="257" r:id="rId3"/>
@@ -24,36 +27,37 @@
     <p:sldId id="272" r:id="rId18"/>
     <p:sldId id="273" r:id="rId19"/>
     <p:sldId id="274" r:id="rId20"/>
+    <p:sldId id="275" r:id="rId21"/>
   </p:sldIdLst>
   <p:sldSz cx="18288000" cy="10287000"/>
   <p:notesSz cx="6858000" cy="9144000"/>
   <p:embeddedFontLst>
     <p:embeddedFont>
       <p:font typeface="Aileron Heavy" panose="020B0604020202020204" charset="0"/>
-      <p:regular r:id="rId21"/>
+      <p:regular r:id="rId23"/>
     </p:embeddedFont>
     <p:embeddedFont>
       <p:font typeface="Aileron Heavy Bold" panose="020B0604020202020204" charset="0"/>
-      <p:regular r:id="rId22"/>
+      <p:regular r:id="rId24"/>
     </p:embeddedFont>
     <p:embeddedFont>
       <p:font typeface="Aileron Regular" panose="020B0604020202020204" charset="0"/>
-      <p:regular r:id="rId23"/>
+      <p:regular r:id="rId25"/>
     </p:embeddedFont>
     <p:embeddedFont>
       <p:font typeface="Aileron Regular Bold" panose="020B0604020202020204" charset="0"/>
-      <p:regular r:id="rId24"/>
+      <p:regular r:id="rId26"/>
     </p:embeddedFont>
     <p:embeddedFont>
       <p:font typeface="Arimo" panose="020B0604020202020204" charset="0"/>
-      <p:regular r:id="rId25"/>
+      <p:regular r:id="rId27"/>
     </p:embeddedFont>
     <p:embeddedFont>
       <p:font typeface="Calibri" panose="020F0502020204030204" pitchFamily="34" charset="0"/>
-      <p:regular r:id="rId26"/>
-      <p:bold r:id="rId27"/>
-      <p:italic r:id="rId28"/>
-      <p:boldItalic r:id="rId29"/>
+      <p:regular r:id="rId28"/>
+      <p:bold r:id="rId29"/>
+      <p:italic r:id="rId30"/>
+      <p:boldItalic r:id="rId31"/>
     </p:embeddedFont>
   </p:embeddedFontLst>
   <p:defaultTextStyle>
@@ -168,6 +172,1718 @@
     </p:ext>
   </p:extLst>
 </p:presentation>
+</file>
+
+<file path=ppt/notesMasters/notesMaster1.xml><?xml version="1.0" encoding="utf-8"?>
+<p:notesMaster xmlns:a="http://schemas.openxmlformats.org/drawingml/2006/main" xmlns:r="http://schemas.openxmlformats.org/officeDocument/2006/relationships" xmlns:p="http://schemas.openxmlformats.org/presentationml/2006/main">
+  <p:cSld>
+    <p:bg>
+      <p:bgRef idx="1001">
+        <a:schemeClr val="bg1"/>
+      </p:bgRef>
+    </p:bg>
+    <p:spTree>
+      <p:nvGrpSpPr>
+        <p:cNvPr id="1" name=""/>
+        <p:cNvGrpSpPr/>
+        <p:nvPr/>
+      </p:nvGrpSpPr>
+      <p:grpSpPr>
+        <a:xfrm>
+          <a:off x="0" y="0"/>
+          <a:ext cx="0" cy="0"/>
+          <a:chOff x="0" y="0"/>
+          <a:chExt cx="0" cy="0"/>
+        </a:xfrm>
+      </p:grpSpPr>
+      <p:sp>
+        <p:nvSpPr>
+          <p:cNvPr id="2" name="Header Placeholder 1"/>
+          <p:cNvSpPr>
+            <a:spLocks noGrp="1"/>
+          </p:cNvSpPr>
+          <p:nvPr>
+            <p:ph type="hdr" sz="quarter"/>
+          </p:nvPr>
+        </p:nvSpPr>
+        <p:spPr>
+          <a:xfrm>
+            <a:off x="0" y="0"/>
+            <a:ext cx="2971800" cy="458788"/>
+          </a:xfrm>
+          <a:prstGeom prst="rect">
+            <a:avLst/>
+          </a:prstGeom>
+        </p:spPr>
+        <p:txBody>
+          <a:bodyPr vert="horz" lIns="91440" tIns="45720" rIns="91440" bIns="45720" rtlCol="0"/>
+          <a:lstStyle>
+            <a:lvl1pPr algn="l">
+              <a:defRPr sz="1200"/>
+            </a:lvl1pPr>
+          </a:lstStyle>
+          <a:p>
+            <a:endParaRPr lang="en-US"/>
+          </a:p>
+        </p:txBody>
+      </p:sp>
+      <p:sp>
+        <p:nvSpPr>
+          <p:cNvPr id="3" name="Date Placeholder 2"/>
+          <p:cNvSpPr>
+            <a:spLocks noGrp="1"/>
+          </p:cNvSpPr>
+          <p:nvPr>
+            <p:ph type="dt" idx="1"/>
+          </p:nvPr>
+        </p:nvSpPr>
+        <p:spPr>
+          <a:xfrm>
+            <a:off x="3884613" y="0"/>
+            <a:ext cx="2971800" cy="458788"/>
+          </a:xfrm>
+          <a:prstGeom prst="rect">
+            <a:avLst/>
+          </a:prstGeom>
+        </p:spPr>
+        <p:txBody>
+          <a:bodyPr vert="horz" lIns="91440" tIns="45720" rIns="91440" bIns="45720" rtlCol="0"/>
+          <a:lstStyle>
+            <a:lvl1pPr algn="r">
+              <a:defRPr sz="1200"/>
+            </a:lvl1pPr>
+          </a:lstStyle>
+          <a:p>
+            <a:fld id="{AE1C6D96-FE91-45DF-99FC-6E84B6C490FC}" type="datetimeFigureOut">
+              <a:rPr lang="en-US" smtClean="0"/>
+              <a:t>10/30/2020</a:t>
+            </a:fld>
+            <a:endParaRPr lang="en-US"/>
+          </a:p>
+        </p:txBody>
+      </p:sp>
+      <p:sp>
+        <p:nvSpPr>
+          <p:cNvPr id="4" name="Slide Image Placeholder 3"/>
+          <p:cNvSpPr>
+            <a:spLocks noGrp="1" noRot="1" noChangeAspect="1"/>
+          </p:cNvSpPr>
+          <p:nvPr>
+            <p:ph type="sldImg" idx="2"/>
+          </p:nvPr>
+        </p:nvSpPr>
+        <p:spPr>
+          <a:xfrm>
+            <a:off x="685800" y="1143000"/>
+            <a:ext cx="5486400" cy="3086100"/>
+          </a:xfrm>
+          <a:prstGeom prst="rect">
+            <a:avLst/>
+          </a:prstGeom>
+          <a:noFill/>
+          <a:ln w="12700">
+            <a:solidFill>
+              <a:prstClr val="black"/>
+            </a:solidFill>
+          </a:ln>
+        </p:spPr>
+        <p:txBody>
+          <a:bodyPr vert="horz" lIns="91440" tIns="45720" rIns="91440" bIns="45720" rtlCol="0" anchor="ctr"/>
+          <a:lstStyle/>
+          <a:p>
+            <a:endParaRPr lang="en-US"/>
+          </a:p>
+        </p:txBody>
+      </p:sp>
+      <p:sp>
+        <p:nvSpPr>
+          <p:cNvPr id="5" name="Notes Placeholder 4"/>
+          <p:cNvSpPr>
+            <a:spLocks noGrp="1"/>
+          </p:cNvSpPr>
+          <p:nvPr>
+            <p:ph type="body" sz="quarter" idx="3"/>
+          </p:nvPr>
+        </p:nvSpPr>
+        <p:spPr>
+          <a:xfrm>
+            <a:off x="685800" y="4400550"/>
+            <a:ext cx="5486400" cy="3600450"/>
+          </a:xfrm>
+          <a:prstGeom prst="rect">
+            <a:avLst/>
+          </a:prstGeom>
+        </p:spPr>
+        <p:txBody>
+          <a:bodyPr vert="horz" lIns="91440" tIns="45720" rIns="91440" bIns="45720" rtlCol="0"/>
+          <a:lstStyle/>
+          <a:p>
+            <a:pPr lvl="0"/>
+            <a:r>
+              <a:rPr lang="en-US"/>
+              <a:t>Click to edit Master text styles</a:t>
+            </a:r>
+          </a:p>
+          <a:p>
+            <a:pPr lvl="1"/>
+            <a:r>
+              <a:rPr lang="en-US"/>
+              <a:t>Second level</a:t>
+            </a:r>
+          </a:p>
+          <a:p>
+            <a:pPr lvl="2"/>
+            <a:r>
+              <a:rPr lang="en-US"/>
+              <a:t>Third level</a:t>
+            </a:r>
+          </a:p>
+          <a:p>
+            <a:pPr lvl="3"/>
+            <a:r>
+              <a:rPr lang="en-US"/>
+              <a:t>Fourth level</a:t>
+            </a:r>
+          </a:p>
+          <a:p>
+            <a:pPr lvl="4"/>
+            <a:r>
+              <a:rPr lang="en-US"/>
+              <a:t>Fifth level</a:t>
+            </a:r>
+          </a:p>
+        </p:txBody>
+      </p:sp>
+      <p:sp>
+        <p:nvSpPr>
+          <p:cNvPr id="6" name="Footer Placeholder 5"/>
+          <p:cNvSpPr>
+            <a:spLocks noGrp="1"/>
+          </p:cNvSpPr>
+          <p:nvPr>
+            <p:ph type="ftr" sz="quarter" idx="4"/>
+          </p:nvPr>
+        </p:nvSpPr>
+        <p:spPr>
+          <a:xfrm>
+            <a:off x="0" y="8685213"/>
+            <a:ext cx="2971800" cy="458787"/>
+          </a:xfrm>
+          <a:prstGeom prst="rect">
+            <a:avLst/>
+          </a:prstGeom>
+        </p:spPr>
+        <p:txBody>
+          <a:bodyPr vert="horz" lIns="91440" tIns="45720" rIns="91440" bIns="45720" rtlCol="0" anchor="b"/>
+          <a:lstStyle>
+            <a:lvl1pPr algn="l">
+              <a:defRPr sz="1200"/>
+            </a:lvl1pPr>
+          </a:lstStyle>
+          <a:p>
+            <a:endParaRPr lang="en-US"/>
+          </a:p>
+        </p:txBody>
+      </p:sp>
+      <p:sp>
+        <p:nvSpPr>
+          <p:cNvPr id="7" name="Slide Number Placeholder 6"/>
+          <p:cNvSpPr>
+            <a:spLocks noGrp="1"/>
+          </p:cNvSpPr>
+          <p:nvPr>
+            <p:ph type="sldNum" sz="quarter" idx="5"/>
+          </p:nvPr>
+        </p:nvSpPr>
+        <p:spPr>
+          <a:xfrm>
+            <a:off x="3884613" y="8685213"/>
+            <a:ext cx="2971800" cy="458787"/>
+          </a:xfrm>
+          <a:prstGeom prst="rect">
+            <a:avLst/>
+          </a:prstGeom>
+        </p:spPr>
+        <p:txBody>
+          <a:bodyPr vert="horz" lIns="91440" tIns="45720" rIns="91440" bIns="45720" rtlCol="0" anchor="b"/>
+          <a:lstStyle>
+            <a:lvl1pPr algn="r">
+              <a:defRPr sz="1200"/>
+            </a:lvl1pPr>
+          </a:lstStyle>
+          <a:p>
+            <a:fld id="{76911E7A-BD13-43B4-AFC6-7A4591A0C258}" type="slidenum">
+              <a:rPr lang="en-US" smtClean="0"/>
+              <a:t>‹#›</a:t>
+            </a:fld>
+            <a:endParaRPr lang="en-US"/>
+          </a:p>
+        </p:txBody>
+      </p:sp>
+    </p:spTree>
+    <p:extLst>
+      <p:ext uri="{BB962C8B-B14F-4D97-AF65-F5344CB8AC3E}">
+        <p14:creationId xmlns:p14="http://schemas.microsoft.com/office/powerpoint/2010/main" val="15580562"/>
+      </p:ext>
+    </p:extLst>
+  </p:cSld>
+  <p:clrMap bg1="lt1" tx1="dk1" bg2="lt2" tx2="dk2" accent1="accent1" accent2="accent2" accent3="accent3" accent4="accent4" accent5="accent5" accent6="accent6" hlink="hlink" folHlink="folHlink"/>
+  <p:notesStyle>
+    <a:lvl1pPr marL="0" algn="l" defTabSz="914400" rtl="0" eaLnBrk="1" latinLnBrk="0" hangingPunct="1">
+      <a:defRPr sz="1200" kern="1200">
+        <a:solidFill>
+          <a:schemeClr val="tx1"/>
+        </a:solidFill>
+        <a:latin typeface="+mn-lt"/>
+        <a:ea typeface="+mn-ea"/>
+        <a:cs typeface="+mn-cs"/>
+      </a:defRPr>
+    </a:lvl1pPr>
+    <a:lvl2pPr marL="457200" algn="l" defTabSz="914400" rtl="0" eaLnBrk="1" latinLnBrk="0" hangingPunct="1">
+      <a:defRPr sz="1200" kern="1200">
+        <a:solidFill>
+          <a:schemeClr val="tx1"/>
+        </a:solidFill>
+        <a:latin typeface="+mn-lt"/>
+        <a:ea typeface="+mn-ea"/>
+        <a:cs typeface="+mn-cs"/>
+      </a:defRPr>
+    </a:lvl2pPr>
+    <a:lvl3pPr marL="914400" algn="l" defTabSz="914400" rtl="0" eaLnBrk="1" latinLnBrk="0" hangingPunct="1">
+      <a:defRPr sz="1200" kern="1200">
+        <a:solidFill>
+          <a:schemeClr val="tx1"/>
+        </a:solidFill>
+        <a:latin typeface="+mn-lt"/>
+        <a:ea typeface="+mn-ea"/>
+        <a:cs typeface="+mn-cs"/>
+      </a:defRPr>
+    </a:lvl3pPr>
+    <a:lvl4pPr marL="1371600" algn="l" defTabSz="914400" rtl="0" eaLnBrk="1" latinLnBrk="0" hangingPunct="1">
+      <a:defRPr sz="1200" kern="1200">
+        <a:solidFill>
+          <a:schemeClr val="tx1"/>
+        </a:solidFill>
+        <a:latin typeface="+mn-lt"/>
+        <a:ea typeface="+mn-ea"/>
+        <a:cs typeface="+mn-cs"/>
+      </a:defRPr>
+    </a:lvl4pPr>
+    <a:lvl5pPr marL="1828800" algn="l" defTabSz="914400" rtl="0" eaLnBrk="1" latinLnBrk="0" hangingPunct="1">
+      <a:defRPr sz="1200" kern="1200">
+        <a:solidFill>
+          <a:schemeClr val="tx1"/>
+        </a:solidFill>
+        <a:latin typeface="+mn-lt"/>
+        <a:ea typeface="+mn-ea"/>
+        <a:cs typeface="+mn-cs"/>
+      </a:defRPr>
+    </a:lvl5pPr>
+    <a:lvl6pPr marL="2286000" algn="l" defTabSz="914400" rtl="0" eaLnBrk="1" latinLnBrk="0" hangingPunct="1">
+      <a:defRPr sz="1200" kern="1200">
+        <a:solidFill>
+          <a:schemeClr val="tx1"/>
+        </a:solidFill>
+        <a:latin typeface="+mn-lt"/>
+        <a:ea typeface="+mn-ea"/>
+        <a:cs typeface="+mn-cs"/>
+      </a:defRPr>
+    </a:lvl6pPr>
+    <a:lvl7pPr marL="2743200" algn="l" defTabSz="914400" rtl="0" eaLnBrk="1" latinLnBrk="0" hangingPunct="1">
+      <a:defRPr sz="1200" kern="1200">
+        <a:solidFill>
+          <a:schemeClr val="tx1"/>
+        </a:solidFill>
+        <a:latin typeface="+mn-lt"/>
+        <a:ea typeface="+mn-ea"/>
+        <a:cs typeface="+mn-cs"/>
+      </a:defRPr>
+    </a:lvl7pPr>
+    <a:lvl8pPr marL="3200400" algn="l" defTabSz="914400" rtl="0" eaLnBrk="1" latinLnBrk="0" hangingPunct="1">
+      <a:defRPr sz="1200" kern="1200">
+        <a:solidFill>
+          <a:schemeClr val="tx1"/>
+        </a:solidFill>
+        <a:latin typeface="+mn-lt"/>
+        <a:ea typeface="+mn-ea"/>
+        <a:cs typeface="+mn-cs"/>
+      </a:defRPr>
+    </a:lvl8pPr>
+    <a:lvl9pPr marL="3657600" algn="l" defTabSz="914400" rtl="0" eaLnBrk="1" latinLnBrk="0" hangingPunct="1">
+      <a:defRPr sz="1200" kern="1200">
+        <a:solidFill>
+          <a:schemeClr val="tx1"/>
+        </a:solidFill>
+        <a:latin typeface="+mn-lt"/>
+        <a:ea typeface="+mn-ea"/>
+        <a:cs typeface="+mn-cs"/>
+      </a:defRPr>
+    </a:lvl9pPr>
+  </p:notesStyle>
+</p:notesMaster>
+</file>
+
+<file path=ppt/notesSlides/notesSlide1.xml><?xml version="1.0" encoding="utf-8"?>
+<p:notes xmlns:a="http://schemas.openxmlformats.org/drawingml/2006/main" xmlns:r="http://schemas.openxmlformats.org/officeDocument/2006/relationships" xmlns:p="http://schemas.openxmlformats.org/presentationml/2006/main">
+  <p:cSld>
+    <p:spTree>
+      <p:nvGrpSpPr>
+        <p:cNvPr id="1" name=""/>
+        <p:cNvGrpSpPr/>
+        <p:nvPr/>
+      </p:nvGrpSpPr>
+      <p:grpSpPr>
+        <a:xfrm>
+          <a:off x="0" y="0"/>
+          <a:ext cx="0" cy="0"/>
+          <a:chOff x="0" y="0"/>
+          <a:chExt cx="0" cy="0"/>
+        </a:xfrm>
+      </p:grpSpPr>
+      <p:sp>
+        <p:nvSpPr>
+          <p:cNvPr id="2" name="Slide Image Placeholder 1"/>
+          <p:cNvSpPr>
+            <a:spLocks noGrp="1" noRot="1" noChangeAspect="1"/>
+          </p:cNvSpPr>
+          <p:nvPr>
+            <p:ph type="sldImg"/>
+          </p:nvPr>
+        </p:nvSpPr>
+        <p:spPr/>
+      </p:sp>
+      <p:sp>
+        <p:nvSpPr>
+          <p:cNvPr id="3" name="Notes Placeholder 2"/>
+          <p:cNvSpPr>
+            <a:spLocks noGrp="1"/>
+          </p:cNvSpPr>
+          <p:nvPr>
+            <p:ph type="body" idx="1"/>
+          </p:nvPr>
+        </p:nvSpPr>
+        <p:spPr/>
+        <p:txBody>
+          <a:bodyPr/>
+          <a:lstStyle/>
+          <a:p>
+            <a:pPr marL="171450" marR="0" lvl="0" indent="-171450" algn="l" defTabSz="914400" rtl="0" eaLnBrk="1" fontAlgn="auto" latinLnBrk="0" hangingPunct="1">
+              <a:lnSpc>
+                <a:spcPct val="100000"/>
+              </a:lnSpc>
+              <a:spcBef>
+                <a:spcPts val="0"/>
+              </a:spcBef>
+              <a:spcAft>
+                <a:spcPts val="0"/>
+              </a:spcAft>
+              <a:buClrTx/>
+              <a:buSzTx/>
+              <a:buFontTx/>
+              <a:buChar char="-"/>
+              <a:tabLst/>
+              <a:defRPr/>
+            </a:pPr>
+            <a:r>
+              <a:rPr lang="en-US" dirty="0" err="1"/>
+              <a:t>Consiste</a:t>
+            </a:r>
+            <a:r>
+              <a:rPr lang="en-US" dirty="0"/>
+              <a:t> </a:t>
+            </a:r>
+            <a:r>
+              <a:rPr lang="en-US" dirty="0" err="1"/>
+              <a:t>na</a:t>
+            </a:r>
+            <a:r>
+              <a:rPr lang="en-US" dirty="0"/>
+              <a:t> an</a:t>
+            </a:r>
+            <a:r>
+              <a:rPr lang="pt-PT" dirty="0"/>
+              <a:t>álise comparativa...</a:t>
+            </a:r>
+          </a:p>
+          <a:p>
+            <a:pPr marL="171450" marR="0" lvl="0" indent="-171450" algn="l" defTabSz="914400" rtl="0" eaLnBrk="1" fontAlgn="auto" latinLnBrk="0" hangingPunct="1">
+              <a:lnSpc>
+                <a:spcPct val="100000"/>
+              </a:lnSpc>
+              <a:spcBef>
+                <a:spcPts val="0"/>
+              </a:spcBef>
+              <a:spcAft>
+                <a:spcPts val="0"/>
+              </a:spcAft>
+              <a:buClrTx/>
+              <a:buSzTx/>
+              <a:buFontTx/>
+              <a:buChar char="-"/>
+              <a:tabLst/>
+              <a:defRPr/>
+            </a:pPr>
+            <a:r>
+              <a:rPr lang="en-US" dirty="0" err="1"/>
+              <a:t>Foi</a:t>
+            </a:r>
+            <a:r>
+              <a:rPr lang="en-US" dirty="0"/>
+              <a:t> </a:t>
+            </a:r>
+            <a:r>
+              <a:rPr lang="en-US" dirty="0" err="1"/>
+              <a:t>proposto</a:t>
+            </a:r>
+            <a:r>
+              <a:rPr lang="en-US" dirty="0"/>
+              <a:t> </a:t>
+            </a:r>
+            <a:r>
+              <a:rPr lang="en-US" dirty="0" err="1"/>
+              <a:t>pelo</a:t>
+            </a:r>
+            <a:r>
+              <a:rPr lang="en-US" dirty="0"/>
+              <a:t> professor </a:t>
+            </a:r>
+            <a:r>
+              <a:rPr lang="en-US" dirty="0" err="1"/>
+              <a:t>Fábio</a:t>
+            </a:r>
+            <a:r>
+              <a:rPr lang="en-US" dirty="0"/>
+              <a:t> Silva no </a:t>
+            </a:r>
+            <a:r>
+              <a:rPr lang="en-US" dirty="0" err="1"/>
+              <a:t>âmbito</a:t>
+            </a:r>
+            <a:r>
+              <a:rPr lang="en-US" dirty="0"/>
+              <a:t>…</a:t>
+            </a:r>
+          </a:p>
+        </p:txBody>
+      </p:sp>
+      <p:sp>
+        <p:nvSpPr>
+          <p:cNvPr id="4" name="Slide Number Placeholder 3"/>
+          <p:cNvSpPr>
+            <a:spLocks noGrp="1"/>
+          </p:cNvSpPr>
+          <p:nvPr>
+            <p:ph type="sldNum" sz="quarter" idx="5"/>
+          </p:nvPr>
+        </p:nvSpPr>
+        <p:spPr/>
+        <p:txBody>
+          <a:bodyPr/>
+          <a:lstStyle/>
+          <a:p>
+            <a:fld id="{76911E7A-BD13-43B4-AFC6-7A4591A0C258}" type="slidenum">
+              <a:rPr lang="en-US" smtClean="0"/>
+              <a:t>1</a:t>
+            </a:fld>
+            <a:endParaRPr lang="en-US"/>
+          </a:p>
+        </p:txBody>
+      </p:sp>
+    </p:spTree>
+    <p:extLst>
+      <p:ext uri="{BB962C8B-B14F-4D97-AF65-F5344CB8AC3E}">
+        <p14:creationId xmlns:p14="http://schemas.microsoft.com/office/powerpoint/2010/main" val="3313713670"/>
+      </p:ext>
+    </p:extLst>
+  </p:cSld>
+  <p:clrMapOvr>
+    <a:masterClrMapping/>
+  </p:clrMapOvr>
+</p:notes>
+</file>
+
+<file path=ppt/notesSlides/notesSlide10.xml><?xml version="1.0" encoding="utf-8"?>
+<p:notes xmlns:a="http://schemas.openxmlformats.org/drawingml/2006/main" xmlns:r="http://schemas.openxmlformats.org/officeDocument/2006/relationships" xmlns:p="http://schemas.openxmlformats.org/presentationml/2006/main">
+  <p:cSld>
+    <p:spTree>
+      <p:nvGrpSpPr>
+        <p:cNvPr id="1" name=""/>
+        <p:cNvGrpSpPr/>
+        <p:nvPr/>
+      </p:nvGrpSpPr>
+      <p:grpSpPr>
+        <a:xfrm>
+          <a:off x="0" y="0"/>
+          <a:ext cx="0" cy="0"/>
+          <a:chOff x="0" y="0"/>
+          <a:chExt cx="0" cy="0"/>
+        </a:xfrm>
+      </p:grpSpPr>
+      <p:sp>
+        <p:nvSpPr>
+          <p:cNvPr id="2" name="Slide Image Placeholder 1"/>
+          <p:cNvSpPr>
+            <a:spLocks noGrp="1" noRot="1" noChangeAspect="1"/>
+          </p:cNvSpPr>
+          <p:nvPr>
+            <p:ph type="sldImg"/>
+          </p:nvPr>
+        </p:nvSpPr>
+        <p:spPr/>
+      </p:sp>
+      <p:sp>
+        <p:nvSpPr>
+          <p:cNvPr id="3" name="Notes Placeholder 2"/>
+          <p:cNvSpPr>
+            <a:spLocks noGrp="1"/>
+          </p:cNvSpPr>
+          <p:nvPr>
+            <p:ph type="body" idx="1"/>
+          </p:nvPr>
+        </p:nvSpPr>
+        <p:spPr/>
+        <p:txBody>
+          <a:bodyPr/>
+          <a:lstStyle/>
+          <a:p>
+            <a:pPr marL="171450" indent="-171450">
+              <a:buFontTx/>
+              <a:buChar char="-"/>
+            </a:pPr>
+            <a:r>
+              <a:rPr lang="pt-PT" dirty="0"/>
+              <a:t>Melhor dia (13)</a:t>
+            </a:r>
+          </a:p>
+          <a:p>
+            <a:pPr marL="171450" indent="-171450">
+              <a:buFontTx/>
+              <a:buChar char="-"/>
+            </a:pPr>
+            <a:r>
+              <a:rPr lang="pt-PT" dirty="0"/>
+              <a:t>Pior dia (31)</a:t>
+            </a:r>
+          </a:p>
+        </p:txBody>
+      </p:sp>
+      <p:sp>
+        <p:nvSpPr>
+          <p:cNvPr id="4" name="Slide Number Placeholder 3"/>
+          <p:cNvSpPr>
+            <a:spLocks noGrp="1"/>
+          </p:cNvSpPr>
+          <p:nvPr>
+            <p:ph type="sldNum" sz="quarter" idx="5"/>
+          </p:nvPr>
+        </p:nvSpPr>
+        <p:spPr/>
+        <p:txBody>
+          <a:bodyPr/>
+          <a:lstStyle/>
+          <a:p>
+            <a:fld id="{76911E7A-BD13-43B4-AFC6-7A4591A0C258}" type="slidenum">
+              <a:rPr lang="en-US" smtClean="0"/>
+              <a:t>16</a:t>
+            </a:fld>
+            <a:endParaRPr lang="en-US"/>
+          </a:p>
+        </p:txBody>
+      </p:sp>
+    </p:spTree>
+    <p:extLst>
+      <p:ext uri="{BB962C8B-B14F-4D97-AF65-F5344CB8AC3E}">
+        <p14:creationId xmlns:p14="http://schemas.microsoft.com/office/powerpoint/2010/main" val="1039215503"/>
+      </p:ext>
+    </p:extLst>
+  </p:cSld>
+  <p:clrMapOvr>
+    <a:masterClrMapping/>
+  </p:clrMapOvr>
+</p:notes>
+</file>
+
+<file path=ppt/notesSlides/notesSlide11.xml><?xml version="1.0" encoding="utf-8"?>
+<p:notes xmlns:a="http://schemas.openxmlformats.org/drawingml/2006/main" xmlns:r="http://schemas.openxmlformats.org/officeDocument/2006/relationships" xmlns:p="http://schemas.openxmlformats.org/presentationml/2006/main">
+  <p:cSld>
+    <p:spTree>
+      <p:nvGrpSpPr>
+        <p:cNvPr id="1" name=""/>
+        <p:cNvGrpSpPr/>
+        <p:nvPr/>
+      </p:nvGrpSpPr>
+      <p:grpSpPr>
+        <a:xfrm>
+          <a:off x="0" y="0"/>
+          <a:ext cx="0" cy="0"/>
+          <a:chOff x="0" y="0"/>
+          <a:chExt cx="0" cy="0"/>
+        </a:xfrm>
+      </p:grpSpPr>
+      <p:sp>
+        <p:nvSpPr>
+          <p:cNvPr id="2" name="Slide Image Placeholder 1"/>
+          <p:cNvSpPr>
+            <a:spLocks noGrp="1" noRot="1" noChangeAspect="1"/>
+          </p:cNvSpPr>
+          <p:nvPr>
+            <p:ph type="sldImg"/>
+          </p:nvPr>
+        </p:nvSpPr>
+        <p:spPr/>
+      </p:sp>
+      <p:sp>
+        <p:nvSpPr>
+          <p:cNvPr id="3" name="Notes Placeholder 2"/>
+          <p:cNvSpPr>
+            <a:spLocks noGrp="1"/>
+          </p:cNvSpPr>
+          <p:nvPr>
+            <p:ph type="body" idx="1"/>
+          </p:nvPr>
+        </p:nvSpPr>
+        <p:spPr/>
+        <p:txBody>
+          <a:bodyPr/>
+          <a:lstStyle/>
+          <a:p>
+            <a:pPr marL="171450" indent="-171450">
+              <a:buFontTx/>
+              <a:buChar char="-"/>
+            </a:pPr>
+            <a:r>
+              <a:rPr lang="pt-PT" dirty="0"/>
+              <a:t>Biblioteca descontinuada</a:t>
+            </a:r>
+          </a:p>
+          <a:p>
+            <a:pPr marL="171450" indent="-171450">
+              <a:buFontTx/>
+              <a:buChar char="-"/>
+            </a:pPr>
+            <a:r>
+              <a:rPr lang="en-US" dirty="0" err="1"/>
+              <a:t>Problema</a:t>
+            </a:r>
+            <a:r>
+              <a:rPr lang="en-US" dirty="0"/>
+              <a:t> com Google </a:t>
+            </a:r>
+            <a:r>
+              <a:rPr lang="en-US" dirty="0" err="1"/>
+              <a:t>Colab</a:t>
+            </a:r>
+            <a:endParaRPr lang="en-US" dirty="0"/>
+          </a:p>
+          <a:p>
+            <a:pPr marL="171450" indent="-171450">
+              <a:buFontTx/>
+              <a:buChar char="-"/>
+            </a:pPr>
+            <a:r>
+              <a:rPr lang="en-US" dirty="0" err="1"/>
+              <a:t>Desenvolvimento</a:t>
+            </a:r>
+            <a:r>
+              <a:rPr lang="en-US" dirty="0"/>
+              <a:t> de </a:t>
+            </a:r>
+            <a:r>
+              <a:rPr lang="en-US" dirty="0" err="1"/>
+              <a:t>uma</a:t>
+            </a:r>
+            <a:r>
+              <a:rPr lang="en-US" dirty="0"/>
+              <a:t> API</a:t>
+            </a:r>
+            <a:endParaRPr lang="pt-PT" dirty="0"/>
+          </a:p>
+        </p:txBody>
+      </p:sp>
+      <p:sp>
+        <p:nvSpPr>
+          <p:cNvPr id="4" name="Slide Number Placeholder 3"/>
+          <p:cNvSpPr>
+            <a:spLocks noGrp="1"/>
+          </p:cNvSpPr>
+          <p:nvPr>
+            <p:ph type="sldNum" sz="quarter" idx="5"/>
+          </p:nvPr>
+        </p:nvSpPr>
+        <p:spPr/>
+        <p:txBody>
+          <a:bodyPr/>
+          <a:lstStyle/>
+          <a:p>
+            <a:fld id="{76911E7A-BD13-43B4-AFC6-7A4591A0C258}" type="slidenum">
+              <a:rPr lang="en-US" smtClean="0"/>
+              <a:t>18</a:t>
+            </a:fld>
+            <a:endParaRPr lang="en-US"/>
+          </a:p>
+        </p:txBody>
+      </p:sp>
+    </p:spTree>
+    <p:extLst>
+      <p:ext uri="{BB962C8B-B14F-4D97-AF65-F5344CB8AC3E}">
+        <p14:creationId xmlns:p14="http://schemas.microsoft.com/office/powerpoint/2010/main" val="211673615"/>
+      </p:ext>
+    </p:extLst>
+  </p:cSld>
+  <p:clrMapOvr>
+    <a:masterClrMapping/>
+  </p:clrMapOvr>
+</p:notes>
+</file>
+
+<file path=ppt/notesSlides/notesSlide2.xml><?xml version="1.0" encoding="utf-8"?>
+<p:notes xmlns:a="http://schemas.openxmlformats.org/drawingml/2006/main" xmlns:r="http://schemas.openxmlformats.org/officeDocument/2006/relationships" xmlns:p="http://schemas.openxmlformats.org/presentationml/2006/main">
+  <p:cSld>
+    <p:spTree>
+      <p:nvGrpSpPr>
+        <p:cNvPr id="1" name=""/>
+        <p:cNvGrpSpPr/>
+        <p:nvPr/>
+      </p:nvGrpSpPr>
+      <p:grpSpPr>
+        <a:xfrm>
+          <a:off x="0" y="0"/>
+          <a:ext cx="0" cy="0"/>
+          <a:chOff x="0" y="0"/>
+          <a:chExt cx="0" cy="0"/>
+        </a:xfrm>
+      </p:grpSpPr>
+      <p:sp>
+        <p:nvSpPr>
+          <p:cNvPr id="2" name="Slide Image Placeholder 1"/>
+          <p:cNvSpPr>
+            <a:spLocks noGrp="1" noRot="1" noChangeAspect="1"/>
+          </p:cNvSpPr>
+          <p:nvPr>
+            <p:ph type="sldImg"/>
+          </p:nvPr>
+        </p:nvSpPr>
+        <p:spPr/>
+      </p:sp>
+      <p:sp>
+        <p:nvSpPr>
+          <p:cNvPr id="3" name="Notes Placeholder 2"/>
+          <p:cNvSpPr>
+            <a:spLocks noGrp="1"/>
+          </p:cNvSpPr>
+          <p:nvPr>
+            <p:ph type="body" idx="1"/>
+          </p:nvPr>
+        </p:nvSpPr>
+        <p:spPr/>
+        <p:txBody>
+          <a:bodyPr/>
+          <a:lstStyle/>
+          <a:p>
+            <a:pPr marL="171450" indent="-171450">
+              <a:buFontTx/>
+              <a:buChar char="-"/>
+            </a:pPr>
+            <a:r>
+              <a:rPr lang="pt-BR" dirty="0"/>
+              <a:t>Dado que o estudo dos algoritmos é baseado em séries temporais</a:t>
+            </a:r>
+            <a:r>
+              <a:rPr lang="en-US" dirty="0"/>
+              <a:t>…</a:t>
+            </a:r>
+            <a:endParaRPr lang="pt-BR" dirty="0"/>
+          </a:p>
+        </p:txBody>
+      </p:sp>
+      <p:sp>
+        <p:nvSpPr>
+          <p:cNvPr id="4" name="Slide Number Placeholder 3"/>
+          <p:cNvSpPr>
+            <a:spLocks noGrp="1"/>
+          </p:cNvSpPr>
+          <p:nvPr>
+            <p:ph type="sldNum" sz="quarter" idx="5"/>
+          </p:nvPr>
+        </p:nvSpPr>
+        <p:spPr/>
+        <p:txBody>
+          <a:bodyPr/>
+          <a:lstStyle/>
+          <a:p>
+            <a:fld id="{76911E7A-BD13-43B4-AFC6-7A4591A0C258}" type="slidenum">
+              <a:rPr lang="en-US" smtClean="0"/>
+              <a:t>3</a:t>
+            </a:fld>
+            <a:endParaRPr lang="en-US"/>
+          </a:p>
+        </p:txBody>
+      </p:sp>
+    </p:spTree>
+    <p:extLst>
+      <p:ext uri="{BB962C8B-B14F-4D97-AF65-F5344CB8AC3E}">
+        <p14:creationId xmlns:p14="http://schemas.microsoft.com/office/powerpoint/2010/main" val="638079792"/>
+      </p:ext>
+    </p:extLst>
+  </p:cSld>
+  <p:clrMapOvr>
+    <a:masterClrMapping/>
+  </p:clrMapOvr>
+</p:notes>
+</file>
+
+<file path=ppt/notesSlides/notesSlide3.xml><?xml version="1.0" encoding="utf-8"?>
+<p:notes xmlns:a="http://schemas.openxmlformats.org/drawingml/2006/main" xmlns:r="http://schemas.openxmlformats.org/officeDocument/2006/relationships" xmlns:p="http://schemas.openxmlformats.org/presentationml/2006/main">
+  <p:cSld>
+    <p:spTree>
+      <p:nvGrpSpPr>
+        <p:cNvPr id="1" name=""/>
+        <p:cNvGrpSpPr/>
+        <p:nvPr/>
+      </p:nvGrpSpPr>
+      <p:grpSpPr>
+        <a:xfrm>
+          <a:off x="0" y="0"/>
+          <a:ext cx="0" cy="0"/>
+          <a:chOff x="0" y="0"/>
+          <a:chExt cx="0" cy="0"/>
+        </a:xfrm>
+      </p:grpSpPr>
+      <p:sp>
+        <p:nvSpPr>
+          <p:cNvPr id="2" name="Slide Image Placeholder 1"/>
+          <p:cNvSpPr>
+            <a:spLocks noGrp="1" noRot="1" noChangeAspect="1"/>
+          </p:cNvSpPr>
+          <p:nvPr>
+            <p:ph type="sldImg"/>
+          </p:nvPr>
+        </p:nvSpPr>
+        <p:spPr/>
+      </p:sp>
+      <p:sp>
+        <p:nvSpPr>
+          <p:cNvPr id="3" name="Notes Placeholder 2"/>
+          <p:cNvSpPr>
+            <a:spLocks noGrp="1"/>
+          </p:cNvSpPr>
+          <p:nvPr>
+            <p:ph type="body" idx="1"/>
+          </p:nvPr>
+        </p:nvSpPr>
+        <p:spPr/>
+        <p:txBody>
+          <a:bodyPr/>
+          <a:lstStyle/>
+          <a:p>
+            <a:pPr marL="171450" indent="-171450">
+              <a:buFontTx/>
+              <a:buChar char="-"/>
+            </a:pPr>
+            <a:r>
+              <a:rPr lang="pt-PT" dirty="0"/>
+              <a:t>Uma </a:t>
+            </a:r>
+            <a:r>
+              <a:rPr lang="pt-BR" dirty="0"/>
+              <a:t>série temporal é um conjunto de dados numéricos ordenados...</a:t>
+            </a:r>
+            <a:endParaRPr lang="en-US" dirty="0"/>
+          </a:p>
+          <a:p>
+            <a:pPr marL="171450" indent="-171450">
+              <a:buFontTx/>
+              <a:buChar char="-"/>
+            </a:pPr>
+            <a:r>
+              <a:rPr lang="pt-BR" dirty="0"/>
+              <a:t>Podemos ter interesse em analisar os dados ou apenas realizar previsões</a:t>
+            </a:r>
+          </a:p>
+          <a:p>
+            <a:pPr marL="171450" indent="-171450">
+              <a:buFontTx/>
+              <a:buChar char="-"/>
+            </a:pPr>
+            <a:r>
+              <a:rPr lang="pt-BR" dirty="0"/>
+              <a:t>Componentes</a:t>
+            </a:r>
+          </a:p>
+          <a:p>
+            <a:pPr marL="171450" indent="-171450">
+              <a:buFontTx/>
+              <a:buChar char="-"/>
+            </a:pPr>
+            <a:r>
+              <a:rPr lang="pt-BR" dirty="0"/>
+              <a:t>Explicar o que são séries estacionárias</a:t>
+            </a:r>
+          </a:p>
+        </p:txBody>
+      </p:sp>
+      <p:sp>
+        <p:nvSpPr>
+          <p:cNvPr id="4" name="Slide Number Placeholder 3"/>
+          <p:cNvSpPr>
+            <a:spLocks noGrp="1"/>
+          </p:cNvSpPr>
+          <p:nvPr>
+            <p:ph type="sldNum" sz="quarter" idx="5"/>
+          </p:nvPr>
+        </p:nvSpPr>
+        <p:spPr/>
+        <p:txBody>
+          <a:bodyPr/>
+          <a:lstStyle/>
+          <a:p>
+            <a:fld id="{76911E7A-BD13-43B4-AFC6-7A4591A0C258}" type="slidenum">
+              <a:rPr lang="en-US" smtClean="0"/>
+              <a:t>5</a:t>
+            </a:fld>
+            <a:endParaRPr lang="en-US"/>
+          </a:p>
+        </p:txBody>
+      </p:sp>
+    </p:spTree>
+    <p:extLst>
+      <p:ext uri="{BB962C8B-B14F-4D97-AF65-F5344CB8AC3E}">
+        <p14:creationId xmlns:p14="http://schemas.microsoft.com/office/powerpoint/2010/main" val="4036147864"/>
+      </p:ext>
+    </p:extLst>
+  </p:cSld>
+  <p:clrMapOvr>
+    <a:masterClrMapping/>
+  </p:clrMapOvr>
+</p:notes>
+</file>
+
+<file path=ppt/notesSlides/notesSlide4.xml><?xml version="1.0" encoding="utf-8"?>
+<p:notes xmlns:a="http://schemas.openxmlformats.org/drawingml/2006/main" xmlns:r="http://schemas.openxmlformats.org/officeDocument/2006/relationships" xmlns:p="http://schemas.openxmlformats.org/presentationml/2006/main">
+  <p:cSld>
+    <p:spTree>
+      <p:nvGrpSpPr>
+        <p:cNvPr id="1" name=""/>
+        <p:cNvGrpSpPr/>
+        <p:nvPr/>
+      </p:nvGrpSpPr>
+      <p:grpSpPr>
+        <a:xfrm>
+          <a:off x="0" y="0"/>
+          <a:ext cx="0" cy="0"/>
+          <a:chOff x="0" y="0"/>
+          <a:chExt cx="0" cy="0"/>
+        </a:xfrm>
+      </p:grpSpPr>
+      <p:sp>
+        <p:nvSpPr>
+          <p:cNvPr id="2" name="Slide Image Placeholder 1"/>
+          <p:cNvSpPr>
+            <a:spLocks noGrp="1" noRot="1" noChangeAspect="1"/>
+          </p:cNvSpPr>
+          <p:nvPr>
+            <p:ph type="sldImg"/>
+          </p:nvPr>
+        </p:nvSpPr>
+        <p:spPr/>
+      </p:sp>
+      <p:sp>
+        <p:nvSpPr>
+          <p:cNvPr id="3" name="Notes Placeholder 2"/>
+          <p:cNvSpPr>
+            <a:spLocks noGrp="1"/>
+          </p:cNvSpPr>
+          <p:nvPr>
+            <p:ph type="body" idx="1"/>
+          </p:nvPr>
+        </p:nvSpPr>
+        <p:spPr/>
+        <p:txBody>
+          <a:bodyPr/>
+          <a:lstStyle/>
+          <a:p>
+            <a:pPr marL="171450" indent="-171450">
+              <a:buFontTx/>
+              <a:buChar char="-"/>
+            </a:pPr>
+            <a:r>
+              <a:rPr lang="pt-PT" dirty="0"/>
+              <a:t>Univariada </a:t>
+            </a:r>
+            <a:r>
+              <a:rPr lang="en-US" dirty="0" err="1"/>
+              <a:t>consiste</a:t>
+            </a:r>
+            <a:r>
+              <a:rPr lang="en-US" dirty="0"/>
+              <a:t> </a:t>
+            </a:r>
+            <a:r>
+              <a:rPr lang="en-US" dirty="0" err="1"/>
+              <a:t>em</a:t>
+            </a:r>
+            <a:r>
+              <a:rPr lang="en-US" dirty="0"/>
+              <a:t> </a:t>
+            </a:r>
+            <a:r>
+              <a:rPr lang="en-US" dirty="0" err="1"/>
+              <a:t>observações</a:t>
+            </a:r>
+            <a:r>
+              <a:rPr lang="en-US" dirty="0"/>
+              <a:t> </a:t>
+            </a:r>
+            <a:r>
+              <a:rPr lang="en-US" dirty="0" err="1"/>
+              <a:t>únicas</a:t>
+            </a:r>
+            <a:endParaRPr lang="pt-PT" dirty="0"/>
+          </a:p>
+          <a:p>
+            <a:pPr marL="171450" indent="-171450">
+              <a:buFontTx/>
+              <a:buChar char="-"/>
+            </a:pPr>
+            <a:r>
+              <a:rPr lang="pt-BR" dirty="0"/>
+              <a:t>Multivariada abrange várias variáveis cujos valores são registados simultaneamente ao longo do tempo</a:t>
+            </a:r>
+            <a:endParaRPr lang="en-US" dirty="0"/>
+          </a:p>
+        </p:txBody>
+      </p:sp>
+      <p:sp>
+        <p:nvSpPr>
+          <p:cNvPr id="4" name="Slide Number Placeholder 3"/>
+          <p:cNvSpPr>
+            <a:spLocks noGrp="1"/>
+          </p:cNvSpPr>
+          <p:nvPr>
+            <p:ph type="sldNum" sz="quarter" idx="5"/>
+          </p:nvPr>
+        </p:nvSpPr>
+        <p:spPr/>
+        <p:txBody>
+          <a:bodyPr/>
+          <a:lstStyle/>
+          <a:p>
+            <a:fld id="{76911E7A-BD13-43B4-AFC6-7A4591A0C258}" type="slidenum">
+              <a:rPr lang="en-US" smtClean="0"/>
+              <a:t>6</a:t>
+            </a:fld>
+            <a:endParaRPr lang="en-US"/>
+          </a:p>
+        </p:txBody>
+      </p:sp>
+    </p:spTree>
+    <p:extLst>
+      <p:ext uri="{BB962C8B-B14F-4D97-AF65-F5344CB8AC3E}">
+        <p14:creationId xmlns:p14="http://schemas.microsoft.com/office/powerpoint/2010/main" val="1779217987"/>
+      </p:ext>
+    </p:extLst>
+  </p:cSld>
+  <p:clrMapOvr>
+    <a:masterClrMapping/>
+  </p:clrMapOvr>
+</p:notes>
+</file>
+
+<file path=ppt/notesSlides/notesSlide5.xml><?xml version="1.0" encoding="utf-8"?>
+<p:notes xmlns:a="http://schemas.openxmlformats.org/drawingml/2006/main" xmlns:r="http://schemas.openxmlformats.org/officeDocument/2006/relationships" xmlns:p="http://schemas.openxmlformats.org/presentationml/2006/main">
+  <p:cSld>
+    <p:spTree>
+      <p:nvGrpSpPr>
+        <p:cNvPr id="1" name=""/>
+        <p:cNvGrpSpPr/>
+        <p:nvPr/>
+      </p:nvGrpSpPr>
+      <p:grpSpPr>
+        <a:xfrm>
+          <a:off x="0" y="0"/>
+          <a:ext cx="0" cy="0"/>
+          <a:chOff x="0" y="0"/>
+          <a:chExt cx="0" cy="0"/>
+        </a:xfrm>
+      </p:grpSpPr>
+      <p:sp>
+        <p:nvSpPr>
+          <p:cNvPr id="2" name="Slide Image Placeholder 1"/>
+          <p:cNvSpPr>
+            <a:spLocks noGrp="1" noRot="1" noChangeAspect="1"/>
+          </p:cNvSpPr>
+          <p:nvPr>
+            <p:ph type="sldImg"/>
+          </p:nvPr>
+        </p:nvSpPr>
+        <p:spPr/>
+      </p:sp>
+      <p:sp>
+        <p:nvSpPr>
+          <p:cNvPr id="3" name="Notes Placeholder 2"/>
+          <p:cNvSpPr>
+            <a:spLocks noGrp="1"/>
+          </p:cNvSpPr>
+          <p:nvPr>
+            <p:ph type="body" idx="1"/>
+          </p:nvPr>
+        </p:nvSpPr>
+        <p:spPr/>
+        <p:txBody>
+          <a:bodyPr/>
+          <a:lstStyle/>
+          <a:p>
+            <a:pPr marL="171450" indent="-171450">
+              <a:buFontTx/>
+              <a:buChar char="-"/>
+            </a:pPr>
+            <a:r>
+              <a:rPr lang="pt-PT" dirty="0"/>
+              <a:t>Hospedado pela Google, com planos gratuitos</a:t>
+            </a:r>
+          </a:p>
+          <a:p>
+            <a:pPr marL="171450" indent="-171450">
+              <a:buFontTx/>
+              <a:buChar char="-"/>
+            </a:pPr>
+            <a:r>
+              <a:rPr lang="en-US" dirty="0"/>
+              <a:t>Lista de </a:t>
+            </a:r>
+            <a:r>
+              <a:rPr lang="en-US" dirty="0" err="1"/>
+              <a:t>células</a:t>
+            </a:r>
+            <a:r>
+              <a:rPr lang="en-US" dirty="0"/>
+              <a:t> …</a:t>
+            </a:r>
+          </a:p>
+          <a:p>
+            <a:pPr marL="171450" indent="-171450">
+              <a:buFontTx/>
+              <a:buChar char="-"/>
+            </a:pPr>
+            <a:r>
+              <a:rPr lang="en-US" dirty="0" err="1"/>
+              <a:t>Treino</a:t>
+            </a:r>
+            <a:r>
+              <a:rPr lang="en-US" dirty="0"/>
+              <a:t> de </a:t>
+            </a:r>
+            <a:r>
+              <a:rPr lang="en-US" dirty="0" err="1"/>
+              <a:t>modelos</a:t>
+            </a:r>
+            <a:r>
+              <a:rPr lang="en-US" dirty="0"/>
+              <a:t> </a:t>
+            </a:r>
+            <a:r>
+              <a:rPr lang="en-US" dirty="0" err="1"/>
+              <a:t>em</a:t>
+            </a:r>
+            <a:r>
+              <a:rPr lang="en-US" dirty="0"/>
+              <a:t> </a:t>
+            </a:r>
+            <a:r>
+              <a:rPr lang="en-US" dirty="0" err="1"/>
+              <a:t>maquinas</a:t>
+            </a:r>
+            <a:r>
+              <a:rPr lang="en-US" dirty="0"/>
+              <a:t> </a:t>
+            </a:r>
+            <a:r>
+              <a:rPr lang="en-US" dirty="0" err="1"/>
+              <a:t>mais</a:t>
+            </a:r>
+            <a:r>
+              <a:rPr lang="en-US" dirty="0"/>
+              <a:t> </a:t>
+            </a:r>
+            <a:r>
+              <a:rPr lang="en-US" dirty="0" err="1"/>
+              <a:t>potentes</a:t>
+            </a:r>
+            <a:endParaRPr lang="en-US" dirty="0"/>
+          </a:p>
+        </p:txBody>
+      </p:sp>
+      <p:sp>
+        <p:nvSpPr>
+          <p:cNvPr id="4" name="Slide Number Placeholder 3"/>
+          <p:cNvSpPr>
+            <a:spLocks noGrp="1"/>
+          </p:cNvSpPr>
+          <p:nvPr>
+            <p:ph type="sldNum" sz="quarter" idx="5"/>
+          </p:nvPr>
+        </p:nvSpPr>
+        <p:spPr/>
+        <p:txBody>
+          <a:bodyPr/>
+          <a:lstStyle/>
+          <a:p>
+            <a:fld id="{76911E7A-BD13-43B4-AFC6-7A4591A0C258}" type="slidenum">
+              <a:rPr lang="en-US" smtClean="0"/>
+              <a:t>9</a:t>
+            </a:fld>
+            <a:endParaRPr lang="en-US"/>
+          </a:p>
+        </p:txBody>
+      </p:sp>
+    </p:spTree>
+    <p:extLst>
+      <p:ext uri="{BB962C8B-B14F-4D97-AF65-F5344CB8AC3E}">
+        <p14:creationId xmlns:p14="http://schemas.microsoft.com/office/powerpoint/2010/main" val="3809655666"/>
+      </p:ext>
+    </p:extLst>
+  </p:cSld>
+  <p:clrMapOvr>
+    <a:masterClrMapping/>
+  </p:clrMapOvr>
+</p:notes>
+</file>
+
+<file path=ppt/notesSlides/notesSlide6.xml><?xml version="1.0" encoding="utf-8"?>
+<p:notes xmlns:a="http://schemas.openxmlformats.org/drawingml/2006/main" xmlns:r="http://schemas.openxmlformats.org/officeDocument/2006/relationships" xmlns:p="http://schemas.openxmlformats.org/presentationml/2006/main">
+  <p:cSld>
+    <p:spTree>
+      <p:nvGrpSpPr>
+        <p:cNvPr id="1" name=""/>
+        <p:cNvGrpSpPr/>
+        <p:nvPr/>
+      </p:nvGrpSpPr>
+      <p:grpSpPr>
+        <a:xfrm>
+          <a:off x="0" y="0"/>
+          <a:ext cx="0" cy="0"/>
+          <a:chOff x="0" y="0"/>
+          <a:chExt cx="0" cy="0"/>
+        </a:xfrm>
+      </p:grpSpPr>
+      <p:sp>
+        <p:nvSpPr>
+          <p:cNvPr id="2" name="Slide Image Placeholder 1"/>
+          <p:cNvSpPr>
+            <a:spLocks noGrp="1" noRot="1" noChangeAspect="1"/>
+          </p:cNvSpPr>
+          <p:nvPr>
+            <p:ph type="sldImg"/>
+          </p:nvPr>
+        </p:nvSpPr>
+        <p:spPr/>
+      </p:sp>
+      <p:sp>
+        <p:nvSpPr>
+          <p:cNvPr id="3" name="Notes Placeholder 2"/>
+          <p:cNvSpPr>
+            <a:spLocks noGrp="1"/>
+          </p:cNvSpPr>
+          <p:nvPr>
+            <p:ph type="body" idx="1"/>
+          </p:nvPr>
+        </p:nvSpPr>
+        <p:spPr/>
+        <p:txBody>
+          <a:bodyPr/>
+          <a:lstStyle/>
+          <a:p>
+            <a:pPr marL="171450" indent="-171450">
+              <a:buFontTx/>
+              <a:buChar char="-"/>
+            </a:pPr>
+            <a:r>
+              <a:rPr lang="pt-PT" dirty="0"/>
+              <a:t>Dois casos de estudo...</a:t>
+            </a:r>
+          </a:p>
+          <a:p>
+            <a:pPr marL="171450" indent="-171450">
+              <a:buFontTx/>
+              <a:buChar char="-"/>
+            </a:pPr>
+            <a:r>
+              <a:rPr lang="pt-PT" dirty="0"/>
+              <a:t>Velocidades</a:t>
+            </a:r>
+          </a:p>
+          <a:p>
+            <a:pPr marL="171450" indent="-171450">
+              <a:buFontTx/>
+              <a:buChar char="-"/>
+            </a:pPr>
+            <a:r>
+              <a:rPr lang="pt-PT" dirty="0"/>
+              <a:t>População</a:t>
+            </a:r>
+            <a:endParaRPr lang="en-US" dirty="0"/>
+          </a:p>
+        </p:txBody>
+      </p:sp>
+      <p:sp>
+        <p:nvSpPr>
+          <p:cNvPr id="4" name="Slide Number Placeholder 3"/>
+          <p:cNvSpPr>
+            <a:spLocks noGrp="1"/>
+          </p:cNvSpPr>
+          <p:nvPr>
+            <p:ph type="sldNum" sz="quarter" idx="5"/>
+          </p:nvPr>
+        </p:nvSpPr>
+        <p:spPr/>
+        <p:txBody>
+          <a:bodyPr/>
+          <a:lstStyle/>
+          <a:p>
+            <a:fld id="{76911E7A-BD13-43B4-AFC6-7A4591A0C258}" type="slidenum">
+              <a:rPr lang="en-US" smtClean="0"/>
+              <a:t>10</a:t>
+            </a:fld>
+            <a:endParaRPr lang="en-US"/>
+          </a:p>
+        </p:txBody>
+      </p:sp>
+    </p:spTree>
+    <p:extLst>
+      <p:ext uri="{BB962C8B-B14F-4D97-AF65-F5344CB8AC3E}">
+        <p14:creationId xmlns:p14="http://schemas.microsoft.com/office/powerpoint/2010/main" val="351085349"/>
+      </p:ext>
+    </p:extLst>
+  </p:cSld>
+  <p:clrMapOvr>
+    <a:masterClrMapping/>
+  </p:clrMapOvr>
+</p:notes>
+</file>
+
+<file path=ppt/notesSlides/notesSlide7.xml><?xml version="1.0" encoding="utf-8"?>
+<p:notes xmlns:a="http://schemas.openxmlformats.org/drawingml/2006/main" xmlns:r="http://schemas.openxmlformats.org/officeDocument/2006/relationships" xmlns:p="http://schemas.openxmlformats.org/presentationml/2006/main">
+  <p:cSld>
+    <p:spTree>
+      <p:nvGrpSpPr>
+        <p:cNvPr id="1" name=""/>
+        <p:cNvGrpSpPr/>
+        <p:nvPr/>
+      </p:nvGrpSpPr>
+      <p:grpSpPr>
+        <a:xfrm>
+          <a:off x="0" y="0"/>
+          <a:ext cx="0" cy="0"/>
+          <a:chOff x="0" y="0"/>
+          <a:chExt cx="0" cy="0"/>
+        </a:xfrm>
+      </p:grpSpPr>
+      <p:sp>
+        <p:nvSpPr>
+          <p:cNvPr id="2" name="Slide Image Placeholder 1"/>
+          <p:cNvSpPr>
+            <a:spLocks noGrp="1" noRot="1" noChangeAspect="1"/>
+          </p:cNvSpPr>
+          <p:nvPr>
+            <p:ph type="sldImg"/>
+          </p:nvPr>
+        </p:nvSpPr>
+        <p:spPr/>
+      </p:sp>
+      <p:sp>
+        <p:nvSpPr>
+          <p:cNvPr id="3" name="Notes Placeholder 2"/>
+          <p:cNvSpPr>
+            <a:spLocks noGrp="1"/>
+          </p:cNvSpPr>
+          <p:nvPr>
+            <p:ph type="body" idx="1"/>
+          </p:nvPr>
+        </p:nvSpPr>
+        <p:spPr/>
+        <p:txBody>
+          <a:bodyPr/>
+          <a:lstStyle/>
+          <a:p>
+            <a:pPr marL="171450" indent="-171450">
+              <a:buFontTx/>
+              <a:buChar char="-"/>
+            </a:pPr>
+            <a:r>
+              <a:rPr lang="pt-PT" dirty="0"/>
+              <a:t>Diagrama de abril de 2019</a:t>
+            </a:r>
+          </a:p>
+          <a:p>
+            <a:pPr marL="171450" indent="-171450">
+              <a:buFontTx/>
+              <a:buChar char="-"/>
+            </a:pPr>
+            <a:r>
+              <a:rPr lang="pt-PT" dirty="0"/>
+              <a:t>Vantagens (melhores horas e trafego diario)</a:t>
+            </a:r>
+            <a:endParaRPr lang="en-US" dirty="0"/>
+          </a:p>
+        </p:txBody>
+      </p:sp>
+      <p:sp>
+        <p:nvSpPr>
+          <p:cNvPr id="4" name="Slide Number Placeholder 3"/>
+          <p:cNvSpPr>
+            <a:spLocks noGrp="1"/>
+          </p:cNvSpPr>
+          <p:nvPr>
+            <p:ph type="sldNum" sz="quarter" idx="5"/>
+          </p:nvPr>
+        </p:nvSpPr>
+        <p:spPr/>
+        <p:txBody>
+          <a:bodyPr/>
+          <a:lstStyle/>
+          <a:p>
+            <a:fld id="{76911E7A-BD13-43B4-AFC6-7A4591A0C258}" type="slidenum">
+              <a:rPr lang="en-US" smtClean="0"/>
+              <a:t>13</a:t>
+            </a:fld>
+            <a:endParaRPr lang="en-US"/>
+          </a:p>
+        </p:txBody>
+      </p:sp>
+    </p:spTree>
+    <p:extLst>
+      <p:ext uri="{BB962C8B-B14F-4D97-AF65-F5344CB8AC3E}">
+        <p14:creationId xmlns:p14="http://schemas.microsoft.com/office/powerpoint/2010/main" val="1729029761"/>
+      </p:ext>
+    </p:extLst>
+  </p:cSld>
+  <p:clrMapOvr>
+    <a:masterClrMapping/>
+  </p:clrMapOvr>
+</p:notes>
+</file>
+
+<file path=ppt/notesSlides/notesSlide8.xml><?xml version="1.0" encoding="utf-8"?>
+<p:notes xmlns:a="http://schemas.openxmlformats.org/drawingml/2006/main" xmlns:r="http://schemas.openxmlformats.org/officeDocument/2006/relationships" xmlns:p="http://schemas.openxmlformats.org/presentationml/2006/main">
+  <p:cSld>
+    <p:spTree>
+      <p:nvGrpSpPr>
+        <p:cNvPr id="1" name=""/>
+        <p:cNvGrpSpPr/>
+        <p:nvPr/>
+      </p:nvGrpSpPr>
+      <p:grpSpPr>
+        <a:xfrm>
+          <a:off x="0" y="0"/>
+          <a:ext cx="0" cy="0"/>
+          <a:chOff x="0" y="0"/>
+          <a:chExt cx="0" cy="0"/>
+        </a:xfrm>
+      </p:grpSpPr>
+      <p:sp>
+        <p:nvSpPr>
+          <p:cNvPr id="2" name="Slide Image Placeholder 1"/>
+          <p:cNvSpPr>
+            <a:spLocks noGrp="1" noRot="1" noChangeAspect="1"/>
+          </p:cNvSpPr>
+          <p:nvPr>
+            <p:ph type="sldImg"/>
+          </p:nvPr>
+        </p:nvSpPr>
+        <p:spPr/>
+      </p:sp>
+      <p:sp>
+        <p:nvSpPr>
+          <p:cNvPr id="3" name="Notes Placeholder 2"/>
+          <p:cNvSpPr>
+            <a:spLocks noGrp="1"/>
+          </p:cNvSpPr>
+          <p:nvPr>
+            <p:ph type="body" idx="1"/>
+          </p:nvPr>
+        </p:nvSpPr>
+        <p:spPr/>
+        <p:txBody>
+          <a:bodyPr/>
+          <a:lstStyle/>
+          <a:p>
+            <a:pPr marL="171450" indent="-171450">
+              <a:buFontTx/>
+              <a:buChar char="-"/>
+            </a:pPr>
+            <a:r>
+              <a:rPr lang="pt-PT" dirty="0"/>
+              <a:t>Melhor hora (12h)</a:t>
+            </a:r>
+          </a:p>
+          <a:p>
+            <a:pPr marL="171450" indent="-171450">
+              <a:buFontTx/>
+              <a:buChar char="-"/>
+            </a:pPr>
+            <a:r>
+              <a:rPr lang="pt-PT" dirty="0"/>
+              <a:t>Piores horas (13h e 18h)</a:t>
+            </a:r>
+            <a:endParaRPr lang="en-US" dirty="0"/>
+          </a:p>
+        </p:txBody>
+      </p:sp>
+      <p:sp>
+        <p:nvSpPr>
+          <p:cNvPr id="4" name="Slide Number Placeholder 3"/>
+          <p:cNvSpPr>
+            <a:spLocks noGrp="1"/>
+          </p:cNvSpPr>
+          <p:nvPr>
+            <p:ph type="sldNum" sz="quarter" idx="5"/>
+          </p:nvPr>
+        </p:nvSpPr>
+        <p:spPr/>
+        <p:txBody>
+          <a:bodyPr/>
+          <a:lstStyle/>
+          <a:p>
+            <a:fld id="{76911E7A-BD13-43B4-AFC6-7A4591A0C258}" type="slidenum">
+              <a:rPr lang="en-US" smtClean="0"/>
+              <a:t>14</a:t>
+            </a:fld>
+            <a:endParaRPr lang="en-US"/>
+          </a:p>
+        </p:txBody>
+      </p:sp>
+    </p:spTree>
+    <p:extLst>
+      <p:ext uri="{BB962C8B-B14F-4D97-AF65-F5344CB8AC3E}">
+        <p14:creationId xmlns:p14="http://schemas.microsoft.com/office/powerpoint/2010/main" val="762778326"/>
+      </p:ext>
+    </p:extLst>
+  </p:cSld>
+  <p:clrMapOvr>
+    <a:masterClrMapping/>
+  </p:clrMapOvr>
+</p:notes>
+</file>
+
+<file path=ppt/notesSlides/notesSlide9.xml><?xml version="1.0" encoding="utf-8"?>
+<p:notes xmlns:a="http://schemas.openxmlformats.org/drawingml/2006/main" xmlns:r="http://schemas.openxmlformats.org/officeDocument/2006/relationships" xmlns:p="http://schemas.openxmlformats.org/presentationml/2006/main">
+  <p:cSld>
+    <p:spTree>
+      <p:nvGrpSpPr>
+        <p:cNvPr id="1" name=""/>
+        <p:cNvGrpSpPr/>
+        <p:nvPr/>
+      </p:nvGrpSpPr>
+      <p:grpSpPr>
+        <a:xfrm>
+          <a:off x="0" y="0"/>
+          <a:ext cx="0" cy="0"/>
+          <a:chOff x="0" y="0"/>
+          <a:chExt cx="0" cy="0"/>
+        </a:xfrm>
+      </p:grpSpPr>
+      <p:sp>
+        <p:nvSpPr>
+          <p:cNvPr id="2" name="Slide Image Placeholder 1"/>
+          <p:cNvSpPr>
+            <a:spLocks noGrp="1" noRot="1" noChangeAspect="1"/>
+          </p:cNvSpPr>
+          <p:nvPr>
+            <p:ph type="sldImg"/>
+          </p:nvPr>
+        </p:nvSpPr>
+        <p:spPr/>
+      </p:sp>
+      <p:sp>
+        <p:nvSpPr>
+          <p:cNvPr id="3" name="Notes Placeholder 2"/>
+          <p:cNvSpPr>
+            <a:spLocks noGrp="1"/>
+          </p:cNvSpPr>
+          <p:nvPr>
+            <p:ph type="body" idx="1"/>
+          </p:nvPr>
+        </p:nvSpPr>
+        <p:spPr/>
+        <p:txBody>
+          <a:bodyPr/>
+          <a:lstStyle/>
+          <a:p>
+            <a:pPr marL="171450" indent="-171450">
+              <a:buFontTx/>
+              <a:buChar char="-"/>
+            </a:pPr>
+            <a:r>
+              <a:rPr lang="pt-PT" dirty="0"/>
+              <a:t>Diagrama de 2018</a:t>
+            </a:r>
+          </a:p>
+          <a:p>
+            <a:pPr marL="171450" indent="-171450">
+              <a:buFontTx/>
+              <a:buChar char="-"/>
+            </a:pPr>
+            <a:r>
+              <a:rPr lang="en-US" dirty="0" err="1"/>
+              <a:t>Vantagens</a:t>
+            </a:r>
+            <a:r>
+              <a:rPr lang="en-US" dirty="0"/>
+              <a:t> (</a:t>
+            </a:r>
+            <a:r>
+              <a:rPr lang="en-US" dirty="0" err="1"/>
+              <a:t>quantidade</a:t>
+            </a:r>
+            <a:r>
+              <a:rPr lang="en-US" dirty="0"/>
+              <a:t> de </a:t>
+            </a:r>
+            <a:r>
+              <a:rPr lang="en-US" dirty="0" err="1"/>
+              <a:t>pessoas</a:t>
+            </a:r>
+            <a:r>
+              <a:rPr lang="en-US" dirty="0"/>
+              <a:t> de um local e covid-19)</a:t>
+            </a:r>
+          </a:p>
+        </p:txBody>
+      </p:sp>
+      <p:sp>
+        <p:nvSpPr>
+          <p:cNvPr id="4" name="Slide Number Placeholder 3"/>
+          <p:cNvSpPr>
+            <a:spLocks noGrp="1"/>
+          </p:cNvSpPr>
+          <p:nvPr>
+            <p:ph type="sldNum" sz="quarter" idx="5"/>
+          </p:nvPr>
+        </p:nvSpPr>
+        <p:spPr/>
+        <p:txBody>
+          <a:bodyPr/>
+          <a:lstStyle/>
+          <a:p>
+            <a:fld id="{76911E7A-BD13-43B4-AFC6-7A4591A0C258}" type="slidenum">
+              <a:rPr lang="en-US" smtClean="0"/>
+              <a:t>15</a:t>
+            </a:fld>
+            <a:endParaRPr lang="en-US"/>
+          </a:p>
+        </p:txBody>
+      </p:sp>
+    </p:spTree>
+    <p:extLst>
+      <p:ext uri="{BB962C8B-B14F-4D97-AF65-F5344CB8AC3E}">
+        <p14:creationId xmlns:p14="http://schemas.microsoft.com/office/powerpoint/2010/main" val="910311135"/>
+      </p:ext>
+    </p:extLst>
+  </p:cSld>
+  <p:clrMapOvr>
+    <a:masterClrMapping/>
+  </p:clrMapOvr>
+</p:notes>
 </file>
 
 <file path=ppt/slideLayouts/slideLayout1.xml><?xml version="1.0" encoding="utf-8"?>
@@ -3198,7 +4914,7 @@
           <p:nvPr/>
         </p:nvPicPr>
         <p:blipFill>
-          <a:blip r:embed="rId2"/>
+          <a:blip r:embed="rId3"/>
           <a:srcRect/>
           <a:stretch>
             <a:fillRect/>
@@ -3378,7 +5094,7 @@
           <p:nvPr/>
         </p:nvPicPr>
         <p:blipFill>
-          <a:blip r:embed="rId3"/>
+          <a:blip r:embed="rId4"/>
           <a:srcRect/>
           <a:stretch>
             <a:fillRect/>
@@ -3573,7 +5289,7 @@
           <p:nvPr/>
         </p:nvPicPr>
         <p:blipFill>
-          <a:blip r:embed="rId4"/>
+          <a:blip r:embed="rId5"/>
           <a:srcRect/>
           <a:stretch>
             <a:fillRect/>
@@ -3598,7 +5314,7 @@
           <p:nvPr/>
         </p:nvPicPr>
         <p:blipFill>
-          <a:blip r:embed="rId5"/>
+          <a:blip r:embed="rId6"/>
           <a:srcRect/>
           <a:stretch>
             <a:fillRect/>
@@ -3736,7 +5452,7 @@
           <p:nvPr/>
         </p:nvPicPr>
         <p:blipFill>
-          <a:blip r:embed="rId2"/>
+          <a:blip r:embed="rId3"/>
           <a:srcRect/>
           <a:stretch>
             <a:fillRect/>
@@ -3761,7 +5477,7 @@
           <p:nvPr/>
         </p:nvPicPr>
         <p:blipFill>
-          <a:blip r:embed="rId3"/>
+          <a:blip r:embed="rId4"/>
           <a:srcRect/>
           <a:stretch>
             <a:fillRect/>
@@ -3956,7 +5672,7 @@
           <p:nvPr/>
         </p:nvPicPr>
         <p:blipFill>
-          <a:blip r:embed="rId4"/>
+          <a:blip r:embed="rId5"/>
           <a:srcRect/>
           <a:stretch>
             <a:fillRect/>
@@ -4204,7 +5920,7 @@
           <p:nvPr/>
         </p:nvPicPr>
         <p:blipFill>
-          <a:blip r:embed="rId5"/>
+          <a:blip r:embed="rId6"/>
           <a:srcRect/>
           <a:stretch>
             <a:fillRect/>
@@ -4615,7 +6331,7 @@
         <p:spPr>
           <a:xfrm>
             <a:off x="1028700" y="3278833"/>
-            <a:ext cx="8441850" cy="3993209"/>
+            <a:ext cx="8441850" cy="4113306"/>
           </a:xfrm>
           <a:prstGeom prst="rect">
             <a:avLst/>
@@ -4633,25 +6349,106 @@
               </a:lnSpc>
             </a:pPr>
             <a:r>
-              <a:rPr lang="en-US" sz="2500">
+              <a:rPr lang="en-US" sz="2500" dirty="0" err="1">
                 <a:solidFill>
                   <a:srgbClr val="08104D"/>
                 </a:solidFill>
                 <a:latin typeface="Aileron Regular"/>
               </a:rPr>
-              <a:t>Pode ser realizada em </a:t>
-            </a:r>
-            <a:r>
-              <a:rPr lang="en-US" sz="2500">
+              <a:t>Pode</a:t>
+            </a:r>
+            <a:r>
+              <a:rPr lang="en-US" sz="2500" dirty="0">
+                <a:solidFill>
+                  <a:srgbClr val="08104D"/>
+                </a:solidFill>
+                <a:latin typeface="Aileron Regular"/>
+              </a:rPr>
+              <a:t> ser </a:t>
+            </a:r>
+            <a:r>
+              <a:rPr lang="en-US" sz="2500" dirty="0" err="1">
+                <a:solidFill>
+                  <a:srgbClr val="08104D"/>
+                </a:solidFill>
+                <a:latin typeface="Aileron Regular"/>
+              </a:rPr>
+              <a:t>realizada</a:t>
+            </a:r>
+            <a:r>
+              <a:rPr lang="en-US" sz="2500" dirty="0">
+                <a:solidFill>
+                  <a:srgbClr val="08104D"/>
+                </a:solidFill>
+                <a:latin typeface="Aileron Regular"/>
+              </a:rPr>
+              <a:t> </a:t>
+            </a:r>
+            <a:r>
+              <a:rPr lang="en-US" sz="2500" dirty="0" err="1">
+                <a:solidFill>
+                  <a:srgbClr val="08104D"/>
+                </a:solidFill>
+                <a:latin typeface="Aileron Regular"/>
+              </a:rPr>
+              <a:t>em</a:t>
+            </a:r>
+            <a:r>
+              <a:rPr lang="en-US" sz="2500" dirty="0">
+                <a:solidFill>
+                  <a:srgbClr val="08104D"/>
+                </a:solidFill>
+                <a:latin typeface="Aileron Regular"/>
+              </a:rPr>
+              <a:t> </a:t>
+            </a:r>
+            <a:r>
+              <a:rPr lang="en-US" sz="2500" dirty="0" err="1">
                 <a:solidFill>
                   <a:srgbClr val="08104D"/>
                 </a:solidFill>
                 <a:latin typeface="Aileron Regular Bold"/>
               </a:rPr>
-              <a:t>qualquer tipo de modelo</a:t>
-            </a:r>
-            <a:r>
-              <a:rPr lang="en-US" sz="2500">
+              <a:t>qualquer</a:t>
+            </a:r>
+            <a:r>
+              <a:rPr lang="en-US" sz="2500" dirty="0">
+                <a:solidFill>
+                  <a:srgbClr val="08104D"/>
+                </a:solidFill>
+                <a:latin typeface="Aileron Regular Bold"/>
+              </a:rPr>
+              <a:t> </a:t>
+            </a:r>
+            <a:r>
+              <a:rPr lang="en-US" sz="2500" dirty="0" err="1">
+                <a:solidFill>
+                  <a:srgbClr val="08104D"/>
+                </a:solidFill>
+                <a:latin typeface="Aileron Regular Bold"/>
+              </a:rPr>
+              <a:t>tipo</a:t>
+            </a:r>
+            <a:r>
+              <a:rPr lang="en-US" sz="2500" dirty="0">
+                <a:solidFill>
+                  <a:srgbClr val="08104D"/>
+                </a:solidFill>
+                <a:latin typeface="Aileron Regular Bold"/>
+              </a:rPr>
+              <a:t> de </a:t>
+            </a:r>
+            <a:r>
+              <a:rPr lang="en-US" sz="2500" dirty="0" err="1">
+                <a:solidFill>
+                  <a:srgbClr val="08104D"/>
+                </a:solidFill>
+                <a:latin typeface="Aileron Regular Bold"/>
+              </a:rPr>
+              <a:t>modelo</a:t>
+            </a:r>
+            <a:r>
+              <a:rPr lang="en-US" sz="2500" dirty="0">
                 <a:solidFill>
                   <a:srgbClr val="08104D"/>
                 </a:solidFill>
@@ -4666,7 +6463,7 @@
                 <a:spcPts val="3550"/>
               </a:lnSpc>
             </a:pPr>
-            <a:endParaRPr lang="en-US" sz="2500">
+            <a:endParaRPr lang="en-US" sz="2500" dirty="0">
               <a:solidFill>
                 <a:srgbClr val="08104D"/>
               </a:solidFill>
@@ -4680,25 +6477,70 @@
               </a:lnSpc>
             </a:pPr>
             <a:r>
-              <a:rPr lang="en-US" sz="2500">
+              <a:rPr lang="en-US" sz="2500" dirty="0" err="1">
                 <a:solidFill>
                   <a:srgbClr val="08104D"/>
                 </a:solidFill>
                 <a:latin typeface="Aileron Regular"/>
               </a:rPr>
-              <a:t>Constrói um modelo para </a:t>
-            </a:r>
-            <a:r>
-              <a:rPr lang="en-US" sz="2500">
+              <a:t>Constrói</a:t>
+            </a:r>
+            <a:r>
+              <a:rPr lang="en-US" sz="2500" dirty="0">
+                <a:solidFill>
+                  <a:srgbClr val="08104D"/>
+                </a:solidFill>
+                <a:latin typeface="Aileron Regular"/>
+              </a:rPr>
+              <a:t> um </a:t>
+            </a:r>
+            <a:r>
+              <a:rPr lang="en-US" sz="2500" dirty="0" err="1">
+                <a:solidFill>
+                  <a:srgbClr val="08104D"/>
+                </a:solidFill>
+                <a:latin typeface="Aileron Regular"/>
+              </a:rPr>
+              <a:t>modelo</a:t>
+            </a:r>
+            <a:r>
+              <a:rPr lang="en-US" sz="2500" dirty="0">
+                <a:solidFill>
+                  <a:srgbClr val="08104D"/>
+                </a:solidFill>
+                <a:latin typeface="Aileron Regular"/>
+              </a:rPr>
+              <a:t> para </a:t>
+            </a:r>
+            <a:r>
+              <a:rPr lang="en-US" sz="2500" dirty="0" err="1">
                 <a:solidFill>
                   <a:srgbClr val="08104D"/>
                 </a:solidFill>
                 <a:latin typeface="Aileron Regular Bold"/>
               </a:rPr>
-              <a:t>cada combinação</a:t>
-            </a:r>
-            <a:r>
-              <a:rPr lang="en-US" sz="2500">
+              <a:t>cada</a:t>
+            </a:r>
+            <a:r>
+              <a:rPr lang="en-US" sz="2500" dirty="0">
+                <a:solidFill>
+                  <a:srgbClr val="08104D"/>
+                </a:solidFill>
+                <a:latin typeface="Aileron Regular Bold"/>
+              </a:rPr>
+              <a:t> </a:t>
+            </a:r>
+            <a:r>
+              <a:rPr lang="en-US" sz="2500" dirty="0" err="1">
+                <a:solidFill>
+                  <a:srgbClr val="08104D"/>
+                </a:solidFill>
+                <a:latin typeface="Aileron Regular Bold"/>
+              </a:rPr>
+              <a:t>combinação</a:t>
+            </a:r>
+            <a:r>
+              <a:rPr lang="en-US" sz="2500" dirty="0">
                 <a:solidFill>
                   <a:srgbClr val="08104D"/>
                 </a:solidFill>
@@ -4714,13 +6556,40 @@
               </a:lnSpc>
             </a:pPr>
             <a:r>
-              <a:rPr lang="en-US" sz="2500">
+              <a:rPr lang="en-US" sz="2500" dirty="0" err="1">
                 <a:solidFill>
                   <a:srgbClr val="08104D"/>
                 </a:solidFill>
                 <a:latin typeface="Aileron Regular"/>
               </a:rPr>
-              <a:t>parâmetros possível.</a:t>
+              <a:t>parâmetros</a:t>
+            </a:r>
+            <a:r>
+              <a:rPr lang="en-US" sz="2500" dirty="0">
+                <a:solidFill>
+                  <a:srgbClr val="08104D"/>
+                </a:solidFill>
+                <a:latin typeface="Aileron Regular"/>
+              </a:rPr>
+              <a:t> </a:t>
+            </a:r>
+            <a:r>
+              <a:rPr lang="en-US" sz="2500" dirty="0" err="1">
+                <a:solidFill>
+                  <a:srgbClr val="08104D"/>
+                </a:solidFill>
+                <a:latin typeface="Aileron Regular"/>
+              </a:rPr>
+              <a:t>possível</a:t>
+            </a:r>
+            <a:r>
+              <a:rPr lang="en-US" sz="2500" dirty="0">
+                <a:solidFill>
+                  <a:srgbClr val="08104D"/>
+                </a:solidFill>
+                <a:latin typeface="Aileron Regular"/>
+              </a:rPr>
+              <a:t>.</a:t>
             </a:r>
           </a:p>
           <a:p>
@@ -4729,7 +6598,7 @@
                 <a:spcPts val="3550"/>
               </a:lnSpc>
             </a:pPr>
-            <a:endParaRPr lang="en-US" sz="2500">
+            <a:endParaRPr lang="en-US" sz="2500" dirty="0">
               <a:solidFill>
                 <a:srgbClr val="08104D"/>
               </a:solidFill>
@@ -4743,32 +6612,92 @@
               </a:lnSpc>
             </a:pPr>
             <a:r>
-              <a:rPr lang="en-US" sz="2500">
+              <a:rPr lang="en-US" sz="2500" dirty="0" err="1">
                 <a:solidFill>
                   <a:srgbClr val="08104D"/>
                 </a:solidFill>
                 <a:latin typeface="Aileron Regular"/>
               </a:rPr>
-              <a:t>Pode ser </a:t>
-            </a:r>
-            <a:r>
-              <a:rPr lang="en-US" sz="2500">
+              <a:t>Pode</a:t>
+            </a:r>
+            <a:r>
+              <a:rPr lang="en-US" sz="2500" dirty="0">
+                <a:solidFill>
+                  <a:srgbClr val="08104D"/>
+                </a:solidFill>
+                <a:latin typeface="Aileron Regular"/>
+              </a:rPr>
+              <a:t> ser </a:t>
+            </a:r>
+            <a:r>
+              <a:rPr lang="en-US" sz="2500" dirty="0" err="1">
                 <a:solidFill>
                   <a:srgbClr val="08104D"/>
                 </a:solidFill>
                 <a:latin typeface="Aileron Regular Bold"/>
               </a:rPr>
-              <a:t>extremamente cara</a:t>
-            </a:r>
-            <a:r>
-              <a:rPr lang="en-US" sz="2500">
+              <a:t>extremamente</a:t>
+            </a:r>
+            <a:r>
+              <a:rPr lang="en-US" sz="2500" dirty="0">
+                <a:solidFill>
+                  <a:srgbClr val="08104D"/>
+                </a:solidFill>
+                <a:latin typeface="Aileron Regular Bold"/>
+              </a:rPr>
+              <a:t> </a:t>
+            </a:r>
+            <a:r>
+              <a:rPr lang="en-US" sz="2500" dirty="0" err="1">
+                <a:solidFill>
+                  <a:srgbClr val="08104D"/>
+                </a:solidFill>
+                <a:latin typeface="Aileron Regular Bold"/>
+              </a:rPr>
+              <a:t>cara</a:t>
+            </a:r>
+            <a:r>
+              <a:rPr lang="en-US" sz="2500" dirty="0">
                 <a:solidFill>
                   <a:srgbClr val="08104D"/>
                 </a:solidFill>
                 <a:latin typeface="Aileron Regular"/>
               </a:rPr>
-              <a:t> e e levar bastante</a:t>
-            </a:r>
+              <a:t> e </a:t>
+            </a:r>
+            <a:r>
+              <a:rPr lang="en-US" sz="2500" dirty="0" err="1">
+                <a:solidFill>
+                  <a:srgbClr val="08104D"/>
+                </a:solidFill>
+                <a:latin typeface="Aileron Regular"/>
+              </a:rPr>
+              <a:t>levar</a:t>
+            </a:r>
+            <a:r>
+              <a:rPr lang="en-US" sz="2500" dirty="0">
+                <a:solidFill>
+                  <a:srgbClr val="08104D"/>
+                </a:solidFill>
+                <a:latin typeface="Aileron Regular"/>
+              </a:rPr>
+              <a:t> </a:t>
+            </a:r>
+            <a:r>
+              <a:rPr lang="en-US" sz="2500" dirty="0" err="1">
+                <a:solidFill>
+                  <a:srgbClr val="08104D"/>
+                </a:solidFill>
+                <a:latin typeface="Aileron Regular"/>
+              </a:rPr>
+              <a:t>bastante</a:t>
+            </a:r>
+            <a:endParaRPr lang="en-US" sz="2500" dirty="0">
+              <a:solidFill>
+                <a:srgbClr val="08104D"/>
+              </a:solidFill>
+              <a:latin typeface="Aileron Regular"/>
+            </a:endParaRPr>
           </a:p>
           <a:p>
             <a:pPr>
@@ -4777,7 +6706,7 @@
               </a:lnSpc>
             </a:pPr>
             <a:r>
-              <a:rPr lang="en-US" sz="2500">
+              <a:rPr lang="en-US" sz="2500" dirty="0">
                 <a:solidFill>
                   <a:srgbClr val="08104D"/>
                 </a:solidFill>
@@ -4792,7 +6721,7 @@
                 <a:spcPts val="3550"/>
               </a:lnSpc>
             </a:pPr>
-            <a:endParaRPr lang="en-US" sz="2500">
+            <a:endParaRPr lang="en-US" sz="2500" dirty="0">
               <a:solidFill>
                 <a:srgbClr val="08104D"/>
               </a:solidFill>
@@ -4808,7 +6737,7 @@
                 <a:spcPct val="0"/>
               </a:spcBef>
             </a:pPr>
-            <a:endParaRPr lang="en-US" sz="2500">
+            <a:endParaRPr lang="en-US" sz="2500" dirty="0">
               <a:solidFill>
                 <a:srgbClr val="08104D"/>
               </a:solidFill>
@@ -5877,7 +7806,7 @@
           <p:nvPr/>
         </p:nvPicPr>
         <p:blipFill>
-          <a:blip r:embed="rId2"/>
+          <a:blip r:embed="rId3"/>
           <a:srcRect/>
           <a:stretch>
             <a:fillRect/>
@@ -6036,7 +7965,7 @@
           <p:nvPr/>
         </p:nvPicPr>
         <p:blipFill>
-          <a:blip r:embed="rId3"/>
+          <a:blip r:embed="rId4"/>
           <a:srcRect/>
           <a:stretch>
             <a:fillRect/>
@@ -6061,7 +7990,7 @@
           <p:nvPr/>
         </p:nvPicPr>
         <p:blipFill>
-          <a:blip r:embed="rId4"/>
+          <a:blip r:embed="rId5"/>
           <a:srcRect l="165" r="165"/>
           <a:stretch>
             <a:fillRect/>
@@ -6288,7 +8217,7 @@
           <p:nvPr/>
         </p:nvPicPr>
         <p:blipFill>
-          <a:blip r:embed="rId2"/>
+          <a:blip r:embed="rId3"/>
           <a:srcRect/>
           <a:stretch>
             <a:fillRect/>
@@ -6447,7 +8376,7 @@
           <p:nvPr/>
         </p:nvPicPr>
         <p:blipFill>
-          <a:blip r:embed="rId3"/>
+          <a:blip r:embed="rId4"/>
           <a:srcRect/>
           <a:stretch>
             <a:fillRect/>
@@ -6455,7 +8384,7 @@
         </p:blipFill>
         <p:spPr>
           <a:xfrm>
-            <a:off x="5169404" y="3830882"/>
+            <a:off x="1028700" y="3830882"/>
             <a:ext cx="7949192" cy="4968245"/>
           </a:xfrm>
           <a:prstGeom prst="rect">
@@ -6601,7 +8530,7 @@
         </p:nvSpPr>
         <p:spPr>
           <a:xfrm>
-            <a:off x="5744987" y="8897874"/>
+            <a:off x="1604283" y="8897874"/>
             <a:ext cx="6798026" cy="360426"/>
           </a:xfrm>
           <a:prstGeom prst="rect">
@@ -6634,6 +8563,78 @@
           </a:p>
         </p:txBody>
       </p:sp>
+      <p:pic>
+        <p:nvPicPr>
+          <p:cNvPr id="16" name="Picture 15" descr="Chart, line chart&#10;&#10;Description automatically generated">
+            <a:extLst>
+              <a:ext uri="{FF2B5EF4-FFF2-40B4-BE49-F238E27FC236}">
+                <a16:creationId xmlns:a16="http://schemas.microsoft.com/office/drawing/2014/main" id="{FBB08D56-8E48-4F2E-87E2-0AEB6968B512}"/>
+              </a:ext>
+            </a:extLst>
+          </p:cNvPr>
+          <p:cNvPicPr>
+            <a:picLocks noChangeAspect="1"/>
+          </p:cNvPicPr>
+          <p:nvPr/>
+        </p:nvPicPr>
+        <p:blipFill>
+          <a:blip r:embed="rId5" cstate="print">
+            <a:extLst>
+              <a:ext uri="{28A0092B-C50C-407E-A947-70E740481C1C}">
+                <a14:useLocalDpi xmlns:a14="http://schemas.microsoft.com/office/drawing/2010/main" val="0"/>
+              </a:ext>
+            </a:extLst>
+          </a:blip>
+          <a:stretch>
+            <a:fillRect/>
+          </a:stretch>
+        </p:blipFill>
+        <p:spPr>
+          <a:xfrm>
+            <a:off x="9363114" y="3830881"/>
+            <a:ext cx="4276686" cy="2672929"/>
+          </a:xfrm>
+          <a:prstGeom prst="rect">
+            <a:avLst/>
+          </a:prstGeom>
+        </p:spPr>
+      </p:pic>
+      <p:pic>
+        <p:nvPicPr>
+          <p:cNvPr id="18" name="Picture 17" descr="Chart, line chart&#10;&#10;Description automatically generated">
+            <a:extLst>
+              <a:ext uri="{FF2B5EF4-FFF2-40B4-BE49-F238E27FC236}">
+                <a16:creationId xmlns:a16="http://schemas.microsoft.com/office/drawing/2014/main" id="{2804BA94-7237-4F55-9D82-E561930FC275}"/>
+              </a:ext>
+            </a:extLst>
+          </p:cNvPr>
+          <p:cNvPicPr>
+            <a:picLocks noChangeAspect="1"/>
+          </p:cNvPicPr>
+          <p:nvPr/>
+        </p:nvPicPr>
+        <p:blipFill>
+          <a:blip r:embed="rId6" cstate="print">
+            <a:extLst>
+              <a:ext uri="{28A0092B-C50C-407E-A947-70E740481C1C}">
+                <a14:useLocalDpi xmlns:a14="http://schemas.microsoft.com/office/drawing/2010/main" val="0"/>
+              </a:ext>
+            </a:extLst>
+          </a:blip>
+          <a:stretch>
+            <a:fillRect/>
+          </a:stretch>
+        </p:blipFill>
+        <p:spPr>
+          <a:xfrm>
+            <a:off x="12944486" y="6809337"/>
+            <a:ext cx="4276686" cy="2672929"/>
+          </a:xfrm>
+          <a:prstGeom prst="rect">
+            <a:avLst/>
+          </a:prstGeom>
+        </p:spPr>
+      </p:pic>
     </p:spTree>
   </p:cSld>
   <p:clrMapOvr>
@@ -6756,7 +8757,7 @@
           <p:nvPr/>
         </p:nvPicPr>
         <p:blipFill>
-          <a:blip r:embed="rId2"/>
+          <a:blip r:embed="rId3"/>
           <a:srcRect/>
           <a:stretch>
             <a:fillRect/>
@@ -6915,7 +8916,7 @@
           <p:nvPr/>
         </p:nvPicPr>
         <p:blipFill>
-          <a:blip r:embed="rId3"/>
+          <a:blip r:embed="rId4"/>
           <a:srcRect/>
           <a:stretch>
             <a:fillRect/>
@@ -6940,7 +8941,7 @@
           <p:nvPr/>
         </p:nvPicPr>
         <p:blipFill>
-          <a:blip r:embed="rId4"/>
+          <a:blip r:embed="rId5"/>
           <a:srcRect/>
           <a:stretch>
             <a:fillRect/>
@@ -7167,7 +9168,7 @@
           <p:nvPr/>
         </p:nvPicPr>
         <p:blipFill>
-          <a:blip r:embed="rId2"/>
+          <a:blip r:embed="rId3"/>
           <a:srcRect/>
           <a:stretch>
             <a:fillRect/>
@@ -7326,7 +9327,7 @@
           <p:nvPr/>
         </p:nvPicPr>
         <p:blipFill>
-          <a:blip r:embed="rId3"/>
+          <a:blip r:embed="rId4"/>
           <a:srcRect/>
           <a:stretch>
             <a:fillRect/>
@@ -7334,7 +9335,7 @@
         </p:blipFill>
         <p:spPr>
           <a:xfrm>
-            <a:off x="5169404" y="3830882"/>
+            <a:off x="1028700" y="3830882"/>
             <a:ext cx="7949192" cy="4968245"/>
           </a:xfrm>
           <a:prstGeom prst="rect">
@@ -7480,7 +9481,7 @@
         </p:nvSpPr>
         <p:spPr>
           <a:xfrm>
-            <a:off x="5714731" y="8897874"/>
+            <a:off x="1574027" y="8897874"/>
             <a:ext cx="6858539" cy="360426"/>
           </a:xfrm>
           <a:prstGeom prst="rect">
@@ -7513,6 +9514,78 @@
           </a:p>
         </p:txBody>
       </p:sp>
+      <p:pic>
+        <p:nvPicPr>
+          <p:cNvPr id="16" name="Picture 15" descr="Chart, line chart&#10;&#10;Description automatically generated">
+            <a:extLst>
+              <a:ext uri="{FF2B5EF4-FFF2-40B4-BE49-F238E27FC236}">
+                <a16:creationId xmlns:a16="http://schemas.microsoft.com/office/drawing/2014/main" id="{BD4960BD-9C0C-4BE1-8488-2E3F4C27A755}"/>
+              </a:ext>
+            </a:extLst>
+          </p:cNvPr>
+          <p:cNvPicPr>
+            <a:picLocks noChangeAspect="1"/>
+          </p:cNvPicPr>
+          <p:nvPr/>
+        </p:nvPicPr>
+        <p:blipFill>
+          <a:blip r:embed="rId5" cstate="print">
+            <a:extLst>
+              <a:ext uri="{28A0092B-C50C-407E-A947-70E740481C1C}">
+                <a14:useLocalDpi xmlns:a14="http://schemas.microsoft.com/office/drawing/2010/main" val="0"/>
+              </a:ext>
+            </a:extLst>
+          </a:blip>
+          <a:stretch>
+            <a:fillRect/>
+          </a:stretch>
+        </p:blipFill>
+        <p:spPr>
+          <a:xfrm>
+            <a:off x="12649200" y="6810996"/>
+            <a:ext cx="4276760" cy="2672975"/>
+          </a:xfrm>
+          <a:prstGeom prst="rect">
+            <a:avLst/>
+          </a:prstGeom>
+        </p:spPr>
+      </p:pic>
+      <p:pic>
+        <p:nvPicPr>
+          <p:cNvPr id="18" name="Picture 17" descr="Chart, line chart&#10;&#10;Description automatically generated">
+            <a:extLst>
+              <a:ext uri="{FF2B5EF4-FFF2-40B4-BE49-F238E27FC236}">
+                <a16:creationId xmlns:a16="http://schemas.microsoft.com/office/drawing/2014/main" id="{AB1838D9-9A5D-48F8-B308-6E90D9496F3C}"/>
+              </a:ext>
+            </a:extLst>
+          </p:cNvPr>
+          <p:cNvPicPr>
+            <a:picLocks noChangeAspect="1"/>
+          </p:cNvPicPr>
+          <p:nvPr/>
+        </p:nvPicPr>
+        <p:blipFill>
+          <a:blip r:embed="rId6" cstate="print">
+            <a:extLst>
+              <a:ext uri="{28A0092B-C50C-407E-A947-70E740481C1C}">
+                <a14:useLocalDpi xmlns:a14="http://schemas.microsoft.com/office/drawing/2010/main" val="0"/>
+              </a:ext>
+            </a:extLst>
+          </a:blip>
+          <a:stretch>
+            <a:fillRect/>
+          </a:stretch>
+        </p:blipFill>
+        <p:spPr>
+          <a:xfrm>
+            <a:off x="9363114" y="3830882"/>
+            <a:ext cx="4276758" cy="2672974"/>
+          </a:xfrm>
+          <a:prstGeom prst="rect">
+            <a:avLst/>
+          </a:prstGeom>
+        </p:spPr>
+      </p:pic>
     </p:spTree>
   </p:cSld>
   <p:clrMapOvr>
@@ -8232,31 +10305,6 @@
           </p:spPr>
         </p:sp>
       </p:grpSp>
-      <p:pic>
-        <p:nvPicPr>
-          <p:cNvPr id="4" name="Picture 4"/>
-          <p:cNvPicPr>
-            <a:picLocks noChangeAspect="1"/>
-          </p:cNvPicPr>
-          <p:nvPr/>
-        </p:nvPicPr>
-        <p:blipFill>
-          <a:blip r:embed="rId2"/>
-          <a:srcRect/>
-          <a:stretch>
-            <a:fillRect/>
-          </a:stretch>
-        </p:blipFill>
-        <p:spPr>
-          <a:xfrm rot="-5400000">
-            <a:off x="9004563" y="9805808"/>
-            <a:ext cx="278873" cy="438229"/>
-          </a:xfrm>
-          <a:prstGeom prst="rect">
-            <a:avLst/>
-          </a:prstGeom>
-        </p:spPr>
-      </p:pic>
       <p:grpSp>
         <p:nvGrpSpPr>
           <p:cNvPr id="5" name="Group 5"/>
@@ -9092,6 +11140,123 @@
           </p:spPr>
         </p:pic>
       </p:grpSp>
+      <p:grpSp>
+        <p:nvGrpSpPr>
+          <p:cNvPr id="33" name="Group 2">
+            <a:extLst>
+              <a:ext uri="{FF2B5EF4-FFF2-40B4-BE49-F238E27FC236}">
+                <a16:creationId xmlns:a16="http://schemas.microsoft.com/office/drawing/2014/main" id="{6E560241-3699-4E31-B7A4-A668BDCF5151}"/>
+              </a:ext>
+            </a:extLst>
+          </p:cNvPr>
+          <p:cNvGrpSpPr/>
+          <p:nvPr/>
+        </p:nvGrpSpPr>
+        <p:grpSpPr>
+          <a:xfrm rot="-10800000">
+            <a:off x="8396131" y="9483972"/>
+            <a:ext cx="1495736" cy="803028"/>
+            <a:chOff x="0" y="0"/>
+            <a:chExt cx="2354580" cy="1264123"/>
+          </a:xfrm>
+        </p:grpSpPr>
+        <p:sp>
+          <p:nvSpPr>
+            <p:cNvPr id="34" name="Freeform 3">
+              <a:extLst>
+                <a:ext uri="{FF2B5EF4-FFF2-40B4-BE49-F238E27FC236}">
+                  <a16:creationId xmlns:a16="http://schemas.microsoft.com/office/drawing/2014/main" id="{231256E2-1EE1-46BA-BFA1-A4DBA43BDE0E}"/>
+                </a:ext>
+              </a:extLst>
+            </p:cNvPr>
+            <p:cNvSpPr/>
+            <p:nvPr/>
+          </p:nvSpPr>
+          <p:spPr>
+            <a:xfrm>
+              <a:off x="0" y="0"/>
+              <a:ext cx="2353310" cy="1264123"/>
+            </a:xfrm>
+            <a:custGeom>
+              <a:avLst/>
+              <a:gdLst/>
+              <a:ahLst/>
+              <a:cxnLst/>
+              <a:rect l="l" t="t" r="r" b="b"/>
+              <a:pathLst>
+                <a:path w="2353310" h="1264123">
+                  <a:moveTo>
+                    <a:pt x="784860" y="1196813"/>
+                  </a:moveTo>
+                  <a:cubicBezTo>
+                    <a:pt x="905510" y="1237453"/>
+                    <a:pt x="1042670" y="1264123"/>
+                    <a:pt x="1177290" y="1264123"/>
+                  </a:cubicBezTo>
+                  <a:cubicBezTo>
+                    <a:pt x="1311910" y="1264123"/>
+                    <a:pt x="1441450" y="1241263"/>
+                    <a:pt x="1560830" y="1200623"/>
+                  </a:cubicBezTo>
+                  <a:cubicBezTo>
+                    <a:pt x="1563370" y="1199353"/>
+                    <a:pt x="1565910" y="1199353"/>
+                    <a:pt x="1568450" y="1198083"/>
+                  </a:cubicBezTo>
+                  <a:cubicBezTo>
+                    <a:pt x="2016760" y="1035523"/>
+                    <a:pt x="2346960" y="606263"/>
+                    <a:pt x="2353310" y="109551"/>
+                  </a:cubicBezTo>
+                  <a:lnTo>
+                    <a:pt x="2353310" y="0"/>
+                  </a:lnTo>
+                  <a:lnTo>
+                    <a:pt x="0" y="0"/>
+                  </a:lnTo>
+                  <a:lnTo>
+                    <a:pt x="0" y="109516"/>
+                  </a:lnTo>
+                  <a:cubicBezTo>
+                    <a:pt x="6350" y="608803"/>
+                    <a:pt x="331470" y="1038063"/>
+                    <a:pt x="784860" y="1196813"/>
+                  </a:cubicBezTo>
+                  <a:close/>
+                </a:path>
+              </a:pathLst>
+            </a:custGeom>
+            <a:solidFill>
+              <a:srgbClr val="3241E4"/>
+            </a:solidFill>
+          </p:spPr>
+        </p:sp>
+      </p:grpSp>
+      <p:pic>
+        <p:nvPicPr>
+          <p:cNvPr id="4" name="Picture 4"/>
+          <p:cNvPicPr>
+            <a:picLocks noChangeAspect="1"/>
+          </p:cNvPicPr>
+          <p:nvPr/>
+        </p:nvPicPr>
+        <p:blipFill>
+          <a:blip r:embed="rId6"/>
+          <a:srcRect/>
+          <a:stretch>
+            <a:fillRect/>
+          </a:stretch>
+        </p:blipFill>
+        <p:spPr>
+          <a:xfrm rot="-5400000">
+            <a:off x="9004563" y="9805808"/>
+            <a:ext cx="278873" cy="438229"/>
+          </a:xfrm>
+          <a:prstGeom prst="rect">
+            <a:avLst/>
+          </a:prstGeom>
+        </p:spPr>
+      </p:pic>
     </p:spTree>
   </p:cSld>
   <p:clrMapOvr>
@@ -10114,6 +12279,383 @@
 </p:sld>
 </file>
 
+<file path=ppt/slides/slide20.xml><?xml version="1.0" encoding="utf-8"?>
+<p:sld xmlns:a="http://schemas.openxmlformats.org/drawingml/2006/main" xmlns:r="http://schemas.openxmlformats.org/officeDocument/2006/relationships" xmlns:p="http://schemas.openxmlformats.org/presentationml/2006/main">
+  <p:cSld>
+    <p:bg>
+      <p:bgPr>
+        <a:solidFill>
+          <a:srgbClr val="ECF2FE"/>
+        </a:solidFill>
+        <a:effectLst/>
+      </p:bgPr>
+    </p:bg>
+    <p:spTree>
+      <p:nvGrpSpPr>
+        <p:cNvPr id="1" name=""/>
+        <p:cNvGrpSpPr/>
+        <p:nvPr/>
+      </p:nvGrpSpPr>
+      <p:grpSpPr>
+        <a:xfrm>
+          <a:off x="0" y="0"/>
+          <a:ext cx="0" cy="0"/>
+          <a:chOff x="0" y="0"/>
+          <a:chExt cx="0" cy="0"/>
+        </a:xfrm>
+      </p:grpSpPr>
+      <p:grpSp>
+        <p:nvGrpSpPr>
+          <p:cNvPr id="2" name="Group 2"/>
+          <p:cNvGrpSpPr/>
+          <p:nvPr/>
+        </p:nvGrpSpPr>
+        <p:grpSpPr>
+          <a:xfrm rot="-10800000">
+            <a:off x="8396132" y="9483972"/>
+            <a:ext cx="1495736" cy="803028"/>
+            <a:chOff x="0" y="0"/>
+            <a:chExt cx="2354580" cy="1264123"/>
+          </a:xfrm>
+        </p:grpSpPr>
+        <p:sp>
+          <p:nvSpPr>
+            <p:cNvPr id="3" name="Freeform 3"/>
+            <p:cNvSpPr/>
+            <p:nvPr/>
+          </p:nvSpPr>
+          <p:spPr>
+            <a:xfrm>
+              <a:off x="0" y="0"/>
+              <a:ext cx="2353310" cy="1264123"/>
+            </a:xfrm>
+            <a:custGeom>
+              <a:avLst/>
+              <a:gdLst/>
+              <a:ahLst/>
+              <a:cxnLst/>
+              <a:rect l="l" t="t" r="r" b="b"/>
+              <a:pathLst>
+                <a:path w="2353310" h="1264123">
+                  <a:moveTo>
+                    <a:pt x="784860" y="1196813"/>
+                  </a:moveTo>
+                  <a:cubicBezTo>
+                    <a:pt x="905510" y="1237453"/>
+                    <a:pt x="1042670" y="1264123"/>
+                    <a:pt x="1177290" y="1264123"/>
+                  </a:cubicBezTo>
+                  <a:cubicBezTo>
+                    <a:pt x="1311910" y="1264123"/>
+                    <a:pt x="1441450" y="1241263"/>
+                    <a:pt x="1560830" y="1200623"/>
+                  </a:cubicBezTo>
+                  <a:cubicBezTo>
+                    <a:pt x="1563370" y="1199353"/>
+                    <a:pt x="1565910" y="1199353"/>
+                    <a:pt x="1568450" y="1198083"/>
+                  </a:cubicBezTo>
+                  <a:cubicBezTo>
+                    <a:pt x="2016760" y="1035523"/>
+                    <a:pt x="2346960" y="606263"/>
+                    <a:pt x="2353310" y="109551"/>
+                  </a:cubicBezTo>
+                  <a:lnTo>
+                    <a:pt x="2353310" y="0"/>
+                  </a:lnTo>
+                  <a:lnTo>
+                    <a:pt x="0" y="0"/>
+                  </a:lnTo>
+                  <a:lnTo>
+                    <a:pt x="0" y="109516"/>
+                  </a:lnTo>
+                  <a:cubicBezTo>
+                    <a:pt x="6350" y="608803"/>
+                    <a:pt x="331470" y="1038063"/>
+                    <a:pt x="784860" y="1196813"/>
+                  </a:cubicBezTo>
+                  <a:close/>
+                </a:path>
+              </a:pathLst>
+            </a:custGeom>
+            <a:solidFill>
+              <a:srgbClr val="3241E4"/>
+            </a:solidFill>
+          </p:spPr>
+        </p:sp>
+      </p:grpSp>
+      <p:grpSp>
+        <p:nvGrpSpPr>
+          <p:cNvPr id="5" name="Group 5"/>
+          <p:cNvGrpSpPr/>
+          <p:nvPr/>
+        </p:nvGrpSpPr>
+        <p:grpSpPr>
+          <a:xfrm>
+            <a:off x="1028700" y="1028700"/>
+            <a:ext cx="9158012" cy="2095086"/>
+            <a:chOff x="0" y="0"/>
+            <a:chExt cx="12210683" cy="2793448"/>
+          </a:xfrm>
+        </p:grpSpPr>
+        <p:sp>
+          <p:nvSpPr>
+            <p:cNvPr id="6" name="TextBox 6"/>
+            <p:cNvSpPr txBox="1"/>
+            <p:nvPr/>
+          </p:nvSpPr>
+          <p:spPr>
+            <a:xfrm>
+              <a:off x="0" y="-47625"/>
+              <a:ext cx="12210683" cy="1659900"/>
+            </a:xfrm>
+            <a:prstGeom prst="rect">
+              <a:avLst/>
+            </a:prstGeom>
+          </p:spPr>
+          <p:txBody>
+            <a:bodyPr lIns="0" tIns="0" rIns="0" bIns="0" rtlCol="0" anchor="t">
+              <a:spAutoFit/>
+            </a:bodyPr>
+            <a:lstStyle/>
+            <a:p>
+              <a:pPr marL="0" lvl="0" indent="0" algn="l">
+                <a:lnSpc>
+                  <a:spcPts val="10080"/>
+                </a:lnSpc>
+                <a:spcBef>
+                  <a:spcPct val="0"/>
+                </a:spcBef>
+              </a:pPr>
+              <a:r>
+                <a:rPr lang="en-US" sz="8000" dirty="0">
+                  <a:solidFill>
+                    <a:srgbClr val="08104D"/>
+                  </a:solidFill>
+                  <a:latin typeface="Aileron Heavy Bold"/>
+                </a:rPr>
+                <a:t>Reposit</a:t>
+              </a:r>
+              <a:r>
+                <a:rPr lang="pt-PT" sz="8000" dirty="0">
+                  <a:solidFill>
+                    <a:srgbClr val="08104D"/>
+                  </a:solidFill>
+                  <a:latin typeface="Aileron Heavy Bold"/>
+                </a:rPr>
+                <a:t>ório</a:t>
+              </a:r>
+              <a:endParaRPr lang="en-US" sz="8000" dirty="0">
+                <a:solidFill>
+                  <a:srgbClr val="08104D"/>
+                </a:solidFill>
+                <a:latin typeface="Aileron Heavy Bold"/>
+              </a:endParaRPr>
+            </a:p>
+          </p:txBody>
+        </p:sp>
+        <p:sp>
+          <p:nvSpPr>
+            <p:cNvPr id="7" name="TextBox 7"/>
+            <p:cNvSpPr txBox="1"/>
+            <p:nvPr/>
+          </p:nvSpPr>
+          <p:spPr>
+            <a:xfrm>
+              <a:off x="0" y="2210739"/>
+              <a:ext cx="12210683" cy="582709"/>
+            </a:xfrm>
+            <a:prstGeom prst="rect">
+              <a:avLst/>
+            </a:prstGeom>
+          </p:spPr>
+          <p:txBody>
+            <a:bodyPr lIns="0" tIns="0" rIns="0" bIns="0" rtlCol="0" anchor="t">
+              <a:spAutoFit/>
+            </a:bodyPr>
+            <a:lstStyle/>
+            <a:p>
+              <a:pPr marL="0" lvl="0" indent="0" algn="l">
+                <a:lnSpc>
+                  <a:spcPts val="3691"/>
+                </a:lnSpc>
+                <a:spcBef>
+                  <a:spcPct val="0"/>
+                </a:spcBef>
+              </a:pPr>
+              <a:endParaRPr/>
+            </a:p>
+          </p:txBody>
+        </p:sp>
+      </p:grpSp>
+      <p:sp>
+        <p:nvSpPr>
+          <p:cNvPr id="8" name="TextBox 8"/>
+          <p:cNvSpPr txBox="1"/>
+          <p:nvPr/>
+        </p:nvSpPr>
+        <p:spPr>
+          <a:xfrm>
+            <a:off x="5520995" y="4933506"/>
+            <a:ext cx="7246007" cy="419987"/>
+          </a:xfrm>
+          <a:prstGeom prst="rect">
+            <a:avLst/>
+          </a:prstGeom>
+        </p:spPr>
+        <p:txBody>
+          <a:bodyPr wrap="square" lIns="0" tIns="0" rIns="0" bIns="0" rtlCol="0" anchor="t">
+            <a:spAutoFit/>
+          </a:bodyPr>
+          <a:lstStyle/>
+          <a:p>
+            <a:pPr>
+              <a:lnSpc>
+                <a:spcPts val="3550"/>
+              </a:lnSpc>
+            </a:pPr>
+            <a:r>
+              <a:rPr lang="en-US" sz="2500" dirty="0">
+                <a:solidFill>
+                  <a:srgbClr val="08104D"/>
+                </a:solidFill>
+                <a:latin typeface="Aileron Regular Bold"/>
+              </a:rPr>
+              <a:t>https://github.com/LuisMarques99/ProjetoFinal</a:t>
+            </a:r>
+          </a:p>
+        </p:txBody>
+      </p:sp>
+      <p:grpSp>
+        <p:nvGrpSpPr>
+          <p:cNvPr id="9" name="Group 2">
+            <a:extLst>
+              <a:ext uri="{FF2B5EF4-FFF2-40B4-BE49-F238E27FC236}">
+                <a16:creationId xmlns:a16="http://schemas.microsoft.com/office/drawing/2014/main" id="{B04D5A06-03F7-4B1A-B515-89250F9E176A}"/>
+              </a:ext>
+            </a:extLst>
+          </p:cNvPr>
+          <p:cNvGrpSpPr/>
+          <p:nvPr/>
+        </p:nvGrpSpPr>
+        <p:grpSpPr>
+          <a:xfrm rot="-10800000">
+            <a:off x="8396938" y="9483972"/>
+            <a:ext cx="1495736" cy="803028"/>
+            <a:chOff x="0" y="0"/>
+            <a:chExt cx="2354580" cy="1264123"/>
+          </a:xfrm>
+        </p:grpSpPr>
+        <p:sp>
+          <p:nvSpPr>
+            <p:cNvPr id="10" name="Freeform 3">
+              <a:extLst>
+                <a:ext uri="{FF2B5EF4-FFF2-40B4-BE49-F238E27FC236}">
+                  <a16:creationId xmlns:a16="http://schemas.microsoft.com/office/drawing/2014/main" id="{CCD225DC-7D7E-4536-AA8C-3DB3F340CC3B}"/>
+                </a:ext>
+              </a:extLst>
+            </p:cNvPr>
+            <p:cNvSpPr/>
+            <p:nvPr/>
+          </p:nvSpPr>
+          <p:spPr>
+            <a:xfrm>
+              <a:off x="0" y="0"/>
+              <a:ext cx="2353310" cy="1264123"/>
+            </a:xfrm>
+            <a:custGeom>
+              <a:avLst/>
+              <a:gdLst/>
+              <a:ahLst/>
+              <a:cxnLst/>
+              <a:rect l="l" t="t" r="r" b="b"/>
+              <a:pathLst>
+                <a:path w="2353310" h="1264123">
+                  <a:moveTo>
+                    <a:pt x="784860" y="1196813"/>
+                  </a:moveTo>
+                  <a:cubicBezTo>
+                    <a:pt x="905510" y="1237453"/>
+                    <a:pt x="1042670" y="1264123"/>
+                    <a:pt x="1177290" y="1264123"/>
+                  </a:cubicBezTo>
+                  <a:cubicBezTo>
+                    <a:pt x="1311910" y="1264123"/>
+                    <a:pt x="1441450" y="1241263"/>
+                    <a:pt x="1560830" y="1200623"/>
+                  </a:cubicBezTo>
+                  <a:cubicBezTo>
+                    <a:pt x="1563370" y="1199353"/>
+                    <a:pt x="1565910" y="1199353"/>
+                    <a:pt x="1568450" y="1198083"/>
+                  </a:cubicBezTo>
+                  <a:cubicBezTo>
+                    <a:pt x="2016760" y="1035523"/>
+                    <a:pt x="2346960" y="606263"/>
+                    <a:pt x="2353310" y="109551"/>
+                  </a:cubicBezTo>
+                  <a:lnTo>
+                    <a:pt x="2353310" y="0"/>
+                  </a:lnTo>
+                  <a:lnTo>
+                    <a:pt x="0" y="0"/>
+                  </a:lnTo>
+                  <a:lnTo>
+                    <a:pt x="0" y="109516"/>
+                  </a:lnTo>
+                  <a:cubicBezTo>
+                    <a:pt x="6350" y="608803"/>
+                    <a:pt x="331470" y="1038063"/>
+                    <a:pt x="784860" y="1196813"/>
+                  </a:cubicBezTo>
+                  <a:close/>
+                </a:path>
+              </a:pathLst>
+            </a:custGeom>
+            <a:solidFill>
+              <a:srgbClr val="EF5D50"/>
+            </a:solidFill>
+          </p:spPr>
+        </p:sp>
+      </p:grpSp>
+      <p:pic>
+        <p:nvPicPr>
+          <p:cNvPr id="4" name="Picture 4"/>
+          <p:cNvPicPr>
+            <a:picLocks noChangeAspect="1"/>
+          </p:cNvPicPr>
+          <p:nvPr/>
+        </p:nvPicPr>
+        <p:blipFill>
+          <a:blip r:embed="rId2"/>
+          <a:srcRect/>
+          <a:stretch>
+            <a:fillRect/>
+          </a:stretch>
+        </p:blipFill>
+        <p:spPr>
+          <a:xfrm rot="-5400000">
+            <a:off x="9004563" y="9805808"/>
+            <a:ext cx="278873" cy="438229"/>
+          </a:xfrm>
+          <a:prstGeom prst="rect">
+            <a:avLst/>
+          </a:prstGeom>
+        </p:spPr>
+      </p:pic>
+    </p:spTree>
+    <p:extLst>
+      <p:ext uri="{BB962C8B-B14F-4D97-AF65-F5344CB8AC3E}">
+        <p14:creationId xmlns:p14="http://schemas.microsoft.com/office/powerpoint/2010/main" val="580385472"/>
+      </p:ext>
+    </p:extLst>
+  </p:cSld>
+  <p:clrMapOvr>
+    <a:masterClrMapping/>
+  </p:clrMapOvr>
+</p:sld>
+</file>
+
 <file path=ppt/slides/slide3.xml><?xml version="1.0" encoding="utf-8"?>
 <p:sld xmlns:a="http://schemas.openxmlformats.org/drawingml/2006/main" xmlns:r="http://schemas.openxmlformats.org/officeDocument/2006/relationships" xmlns:p="http://schemas.openxmlformats.org/presentationml/2006/main">
   <p:cSld>
@@ -10228,7 +12770,7 @@
           <p:nvPr/>
         </p:nvPicPr>
         <p:blipFill>
-          <a:blip r:embed="rId2"/>
+          <a:blip r:embed="rId3"/>
           <a:srcRect/>
           <a:stretch>
             <a:fillRect/>
@@ -10253,7 +12795,7 @@
           <p:nvPr/>
         </p:nvPicPr>
         <p:blipFill>
-          <a:blip r:embed="rId3"/>
+          <a:blip r:embed="rId4"/>
           <a:srcRect/>
           <a:stretch>
             <a:fillRect/>
@@ -10278,7 +12820,7 @@
           <p:nvPr/>
         </p:nvPicPr>
         <p:blipFill>
-          <a:blip r:embed="rId4"/>
+          <a:blip r:embed="rId5"/>
           <a:srcRect/>
           <a:stretch>
             <a:fillRect/>
@@ -10473,7 +13015,7 @@
           <p:nvPr/>
         </p:nvPicPr>
         <p:blipFill>
-          <a:blip r:embed="rId5"/>
+          <a:blip r:embed="rId6"/>
           <a:srcRect/>
           <a:stretch>
             <a:fillRect/>
@@ -11651,7 +14193,7 @@
           <p:nvPr/>
         </p:nvPicPr>
         <p:blipFill>
-          <a:blip r:embed="rId2"/>
+          <a:blip r:embed="rId3"/>
           <a:srcRect/>
           <a:stretch>
             <a:fillRect/>
@@ -11810,7 +14352,7 @@
           <p:nvPr/>
         </p:nvPicPr>
         <p:blipFill>
-          <a:blip r:embed="rId3"/>
+          <a:blip r:embed="rId4"/>
           <a:srcRect/>
           <a:stretch>
             <a:fillRect/>
@@ -11835,7 +14377,7 @@
           <p:nvPr/>
         </p:nvPicPr>
         <p:blipFill>
-          <a:blip r:embed="rId4"/>
+          <a:blip r:embed="rId5"/>
           <a:srcRect/>
           <a:stretch>
             <a:fillRect/>
@@ -11860,7 +14402,7 @@
           <p:nvPr/>
         </p:nvPicPr>
         <p:blipFill>
-          <a:blip r:embed="rId5"/>
+          <a:blip r:embed="rId6"/>
           <a:srcRect/>
           <a:stretch>
             <a:fillRect/>
@@ -11885,7 +14427,7 @@
           <p:nvPr/>
         </p:nvPicPr>
         <p:blipFill>
-          <a:blip r:embed="rId6"/>
+          <a:blip r:embed="rId7"/>
           <a:srcRect/>
           <a:stretch>
             <a:fillRect/>
@@ -11910,7 +14452,7 @@
           <p:nvPr/>
         </p:nvPicPr>
         <p:blipFill>
-          <a:blip r:embed="rId7"/>
+          <a:blip r:embed="rId8"/>
           <a:srcRect/>
           <a:stretch>
             <a:fillRect/>
@@ -11935,7 +14477,7 @@
           <p:nvPr/>
         </p:nvPicPr>
         <p:blipFill>
-          <a:blip r:embed="rId8"/>
+          <a:blip r:embed="rId9"/>
           <a:srcRect/>
           <a:stretch>
             <a:fillRect/>
@@ -12162,7 +14704,7 @@
           <p:nvPr/>
         </p:nvPicPr>
         <p:blipFill>
-          <a:blip r:embed="rId2"/>
+          <a:blip r:embed="rId3"/>
           <a:srcRect/>
           <a:stretch>
             <a:fillRect/>
@@ -12321,7 +14863,7 @@
           <p:nvPr/>
         </p:nvPicPr>
         <p:blipFill>
-          <a:blip r:embed="rId3"/>
+          <a:blip r:embed="rId4"/>
           <a:srcRect/>
           <a:stretch>
             <a:fillRect/>
@@ -12346,7 +14888,7 @@
           <p:nvPr/>
         </p:nvPicPr>
         <p:blipFill>
-          <a:blip r:embed="rId4"/>
+          <a:blip r:embed="rId5"/>
           <a:srcRect/>
           <a:stretch>
             <a:fillRect/>
@@ -13729,7 +16271,7 @@
         <p:grpSpPr>
           <a:xfrm>
             <a:off x="11830174" y="4131604"/>
-            <a:ext cx="5429126" cy="4463113"/>
+            <a:ext cx="5429126" cy="4517096"/>
             <a:chOff x="0" y="0"/>
             <a:chExt cx="2737562" cy="2250463"/>
           </a:xfrm>
@@ -14429,7 +16971,7 @@
           <p:nvPr/>
         </p:nvPicPr>
         <p:blipFill>
-          <a:blip r:embed="rId2"/>
+          <a:blip r:embed="rId3"/>
           <a:srcRect/>
           <a:stretch>
             <a:fillRect/>
@@ -14778,7 +17320,7 @@
           <p:nvPr/>
         </p:nvPicPr>
         <p:blipFill>
-          <a:blip r:embed="rId3"/>
+          <a:blip r:embed="rId4"/>
           <a:srcRect/>
           <a:stretch>
             <a:fillRect/>
@@ -14803,7 +17345,7 @@
           <p:nvPr/>
         </p:nvPicPr>
         <p:blipFill>
-          <a:blip r:embed="rId4"/>
+          <a:blip r:embed="rId5"/>
           <a:srcRect/>
           <a:stretch>
             <a:fillRect/>
@@ -15197,4 +17739,299 @@
   <a:objectDefaults/>
   <a:extraClrSchemeLst/>
 </a:theme>
+</file>
+
+<file path=ppt/theme/theme2.xml><?xml version="1.0" encoding="utf-8"?>
+<a:theme xmlns:a="http://schemas.openxmlformats.org/drawingml/2006/main" name="Office Theme">
+  <a:themeElements>
+    <a:clrScheme name="Office">
+      <a:dk1>
+        <a:sysClr val="windowText" lastClr="000000"/>
+      </a:dk1>
+      <a:lt1>
+        <a:sysClr val="window" lastClr="FFFFFF"/>
+      </a:lt1>
+      <a:dk2>
+        <a:srgbClr val="44546A"/>
+      </a:dk2>
+      <a:lt2>
+        <a:srgbClr val="E7E6E6"/>
+      </a:lt2>
+      <a:accent1>
+        <a:srgbClr val="4472C4"/>
+      </a:accent1>
+      <a:accent2>
+        <a:srgbClr val="ED7D31"/>
+      </a:accent2>
+      <a:accent3>
+        <a:srgbClr val="A5A5A5"/>
+      </a:accent3>
+      <a:accent4>
+        <a:srgbClr val="FFC000"/>
+      </a:accent4>
+      <a:accent5>
+        <a:srgbClr val="5B9BD5"/>
+      </a:accent5>
+      <a:accent6>
+        <a:srgbClr val="70AD47"/>
+      </a:accent6>
+      <a:hlink>
+        <a:srgbClr val="0563C1"/>
+      </a:hlink>
+      <a:folHlink>
+        <a:srgbClr val="954F72"/>
+      </a:folHlink>
+    </a:clrScheme>
+    <a:fontScheme name="Office">
+      <a:majorFont>
+        <a:latin typeface="Calibri Light" panose="020F0302020204030204"/>
+        <a:ea typeface=""/>
+        <a:cs typeface=""/>
+        <a:font script="Jpan" typeface="游ゴシック Light"/>
+        <a:font script="Hang" typeface="맑은 고딕"/>
+        <a:font script="Hans" typeface="等线 Light"/>
+        <a:font script="Hant" typeface="新細明體"/>
+        <a:font script="Arab" typeface="Times New Roman"/>
+        <a:font script="Hebr" typeface="Times New Roman"/>
+        <a:font script="Thai" typeface="Angsana New"/>
+        <a:font script="Ethi" typeface="Nyala"/>
+        <a:font script="Beng" typeface="Vrinda"/>
+        <a:font script="Gujr" typeface="Shruti"/>
+        <a:font script="Khmr" typeface="MoolBoran"/>
+        <a:font script="Knda" typeface="Tunga"/>
+        <a:font script="Guru" typeface="Raavi"/>
+        <a:font script="Cans" typeface="Euphemia"/>
+        <a:font script="Cher" typeface="Plantagenet Cherokee"/>
+        <a:font script="Yiii" typeface="Microsoft Yi Baiti"/>
+        <a:font script="Tibt" typeface="Microsoft Himalaya"/>
+        <a:font script="Thaa" typeface="MV Boli"/>
+        <a:font script="Deva" typeface="Mangal"/>
+        <a:font script="Telu" typeface="Gautami"/>
+        <a:font script="Taml" typeface="Latha"/>
+        <a:font script="Syrc" typeface="Estrangelo Edessa"/>
+        <a:font script="Orya" typeface="Kalinga"/>
+        <a:font script="Mlym" typeface="Kartika"/>
+        <a:font script="Laoo" typeface="DokChampa"/>
+        <a:font script="Sinh" typeface="Iskoola Pota"/>
+        <a:font script="Mong" typeface="Mongolian Baiti"/>
+        <a:font script="Viet" typeface="Times New Roman"/>
+        <a:font script="Uigh" typeface="Microsoft Uighur"/>
+        <a:font script="Geor" typeface="Sylfaen"/>
+        <a:font script="Armn" typeface="Arial"/>
+        <a:font script="Bugi" typeface="Leelawadee UI"/>
+        <a:font script="Bopo" typeface="Microsoft JhengHei"/>
+        <a:font script="Java" typeface="Javanese Text"/>
+        <a:font script="Lisu" typeface="Segoe UI"/>
+        <a:font script="Mymr" typeface="Myanmar Text"/>
+        <a:font script="Nkoo" typeface="Ebrima"/>
+        <a:font script="Olck" typeface="Nirmala UI"/>
+        <a:font script="Osma" typeface="Ebrima"/>
+        <a:font script="Phag" typeface="Phagspa"/>
+        <a:font script="Syrn" typeface="Estrangelo Edessa"/>
+        <a:font script="Syrj" typeface="Estrangelo Edessa"/>
+        <a:font script="Syre" typeface="Estrangelo Edessa"/>
+        <a:font script="Sora" typeface="Nirmala UI"/>
+        <a:font script="Tale" typeface="Microsoft Tai Le"/>
+        <a:font script="Talu" typeface="Microsoft New Tai Lue"/>
+        <a:font script="Tfng" typeface="Ebrima"/>
+      </a:majorFont>
+      <a:minorFont>
+        <a:latin typeface="Calibri" panose="020F0502020204030204"/>
+        <a:ea typeface=""/>
+        <a:cs typeface=""/>
+        <a:font script="Jpan" typeface="游ゴシック"/>
+        <a:font script="Hang" typeface="맑은 고딕"/>
+        <a:font script="Hans" typeface="等线"/>
+        <a:font script="Hant" typeface="新細明體"/>
+        <a:font script="Arab" typeface="Arial"/>
+        <a:font script="Hebr" typeface="Arial"/>
+        <a:font script="Thai" typeface="Cordia New"/>
+        <a:font script="Ethi" typeface="Nyala"/>
+        <a:font script="Beng" typeface="Vrinda"/>
+        <a:font script="Gujr" typeface="Shruti"/>
+        <a:font script="Khmr" typeface="DaunPenh"/>
+        <a:font script="Knda" typeface="Tunga"/>
+        <a:font script="Guru" typeface="Raavi"/>
+        <a:font script="Cans" typeface="Euphemia"/>
+        <a:font script="Cher" typeface="Plantagenet Cherokee"/>
+        <a:font script="Yiii" typeface="Microsoft Yi Baiti"/>
+        <a:font script="Tibt" typeface="Microsoft Himalaya"/>
+        <a:font script="Thaa" typeface="MV Boli"/>
+        <a:font script="Deva" typeface="Mangal"/>
+        <a:font script="Telu" typeface="Gautami"/>
+        <a:font script="Taml" typeface="Latha"/>
+        <a:font script="Syrc" typeface="Estrangelo Edessa"/>
+        <a:font script="Orya" typeface="Kalinga"/>
+        <a:font script="Mlym" typeface="Kartika"/>
+        <a:font script="Laoo" typeface="DokChampa"/>
+        <a:font script="Sinh" typeface="Iskoola Pota"/>
+        <a:font script="Mong" typeface="Mongolian Baiti"/>
+        <a:font script="Viet" typeface="Arial"/>
+        <a:font script="Uigh" typeface="Microsoft Uighur"/>
+        <a:font script="Geor" typeface="Sylfaen"/>
+        <a:font script="Armn" typeface="Arial"/>
+        <a:font script="Bugi" typeface="Leelawadee UI"/>
+        <a:font script="Bopo" typeface="Microsoft JhengHei"/>
+        <a:font script="Java" typeface="Javanese Text"/>
+        <a:font script="Lisu" typeface="Segoe UI"/>
+        <a:font script="Mymr" typeface="Myanmar Text"/>
+        <a:font script="Nkoo" typeface="Ebrima"/>
+        <a:font script="Olck" typeface="Nirmala UI"/>
+        <a:font script="Osma" typeface="Ebrima"/>
+        <a:font script="Phag" typeface="Phagspa"/>
+        <a:font script="Syrn" typeface="Estrangelo Edessa"/>
+        <a:font script="Syrj" typeface="Estrangelo Edessa"/>
+        <a:font script="Syre" typeface="Estrangelo Edessa"/>
+        <a:font script="Sora" typeface="Nirmala UI"/>
+        <a:font script="Tale" typeface="Microsoft Tai Le"/>
+        <a:font script="Talu" typeface="Microsoft New Tai Lue"/>
+        <a:font script="Tfng" typeface="Ebrima"/>
+      </a:minorFont>
+    </a:fontScheme>
+    <a:fmtScheme name="Office">
+      <a:fillStyleLst>
+        <a:solidFill>
+          <a:schemeClr val="phClr"/>
+        </a:solidFill>
+        <a:gradFill rotWithShape="1">
+          <a:gsLst>
+            <a:gs pos="0">
+              <a:schemeClr val="phClr">
+                <a:lumMod val="110000"/>
+                <a:satMod val="105000"/>
+                <a:tint val="67000"/>
+              </a:schemeClr>
+            </a:gs>
+            <a:gs pos="50000">
+              <a:schemeClr val="phClr">
+                <a:lumMod val="105000"/>
+                <a:satMod val="103000"/>
+                <a:tint val="73000"/>
+              </a:schemeClr>
+            </a:gs>
+            <a:gs pos="100000">
+              <a:schemeClr val="phClr">
+                <a:lumMod val="105000"/>
+                <a:satMod val="109000"/>
+                <a:tint val="81000"/>
+              </a:schemeClr>
+            </a:gs>
+          </a:gsLst>
+          <a:lin ang="5400000" scaled="0"/>
+        </a:gradFill>
+        <a:gradFill rotWithShape="1">
+          <a:gsLst>
+            <a:gs pos="0">
+              <a:schemeClr val="phClr">
+                <a:satMod val="103000"/>
+                <a:lumMod val="102000"/>
+                <a:tint val="94000"/>
+              </a:schemeClr>
+            </a:gs>
+            <a:gs pos="50000">
+              <a:schemeClr val="phClr">
+                <a:satMod val="110000"/>
+                <a:lumMod val="100000"/>
+                <a:shade val="100000"/>
+              </a:schemeClr>
+            </a:gs>
+            <a:gs pos="100000">
+              <a:schemeClr val="phClr">
+                <a:lumMod val="99000"/>
+                <a:satMod val="120000"/>
+                <a:shade val="78000"/>
+              </a:schemeClr>
+            </a:gs>
+          </a:gsLst>
+          <a:lin ang="5400000" scaled="0"/>
+        </a:gradFill>
+      </a:fillStyleLst>
+      <a:lnStyleLst>
+        <a:ln w="6350" cap="flat" cmpd="sng" algn="ctr">
+          <a:solidFill>
+            <a:schemeClr val="phClr"/>
+          </a:solidFill>
+          <a:prstDash val="solid"/>
+          <a:miter lim="800000"/>
+        </a:ln>
+        <a:ln w="12700" cap="flat" cmpd="sng" algn="ctr">
+          <a:solidFill>
+            <a:schemeClr val="phClr"/>
+          </a:solidFill>
+          <a:prstDash val="solid"/>
+          <a:miter lim="800000"/>
+        </a:ln>
+        <a:ln w="19050" cap="flat" cmpd="sng" algn="ctr">
+          <a:solidFill>
+            <a:schemeClr val="phClr"/>
+          </a:solidFill>
+          <a:prstDash val="solid"/>
+          <a:miter lim="800000"/>
+        </a:ln>
+      </a:lnStyleLst>
+      <a:effectStyleLst>
+        <a:effectStyle>
+          <a:effectLst/>
+        </a:effectStyle>
+        <a:effectStyle>
+          <a:effectLst/>
+        </a:effectStyle>
+        <a:effectStyle>
+          <a:effectLst>
+            <a:outerShdw blurRad="57150" dist="19050" dir="5400000" algn="ctr" rotWithShape="0">
+              <a:srgbClr val="000000">
+                <a:alpha val="63000"/>
+              </a:srgbClr>
+            </a:outerShdw>
+          </a:effectLst>
+        </a:effectStyle>
+      </a:effectStyleLst>
+      <a:bgFillStyleLst>
+        <a:solidFill>
+          <a:schemeClr val="phClr"/>
+        </a:solidFill>
+        <a:solidFill>
+          <a:schemeClr val="phClr">
+            <a:tint val="95000"/>
+            <a:satMod val="170000"/>
+          </a:schemeClr>
+        </a:solidFill>
+        <a:gradFill rotWithShape="1">
+          <a:gsLst>
+            <a:gs pos="0">
+              <a:schemeClr val="phClr">
+                <a:tint val="93000"/>
+                <a:satMod val="150000"/>
+                <a:shade val="98000"/>
+                <a:lumMod val="102000"/>
+              </a:schemeClr>
+            </a:gs>
+            <a:gs pos="50000">
+              <a:schemeClr val="phClr">
+                <a:tint val="98000"/>
+                <a:satMod val="130000"/>
+                <a:shade val="90000"/>
+                <a:lumMod val="103000"/>
+              </a:schemeClr>
+            </a:gs>
+            <a:gs pos="100000">
+              <a:schemeClr val="phClr">
+                <a:shade val="63000"/>
+                <a:satMod val="120000"/>
+              </a:schemeClr>
+            </a:gs>
+          </a:gsLst>
+          <a:lin ang="5400000" scaled="0"/>
+        </a:gradFill>
+      </a:bgFillStyleLst>
+    </a:fmtScheme>
+  </a:themeElements>
+  <a:objectDefaults/>
+  <a:extraClrSchemeLst/>
+  <a:extLst>
+    <a:ext uri="{05A4C25C-085E-4340-85A3-A5531E510DB2}">
+      <thm15:themeFamily xmlns:thm15="http://schemas.microsoft.com/office/thememl/2012/main" name="Office Theme" id="{62F939B6-93AF-4DB8-9C6B-D6C7DFDC589F}" vid="{4A3C46E8-61CC-4603-A589-7422A47A8E4A}"/>
+    </a:ext>
+  </a:extLst>
+</a:theme>
 </file>